--- a/img/figure.pptx
+++ b/img/figure.pptx
@@ -2964,2189 +2964,2204 @@
           <a:chExt cx="0" cy="0"/>
         </a:xfrm>
       </p:grpSpPr>
-      <p:sp>
-        <p:nvSpPr>
-          <p:cNvPr id="4" name="椭圆 3"/>
-          <p:cNvSpPr/>
+      <p:grpSp>
+        <p:nvGrpSpPr>
+          <p:cNvPr id="74" name="组合 73"/>
+          <p:cNvGrpSpPr/>
           <p:nvPr/>
-        </p:nvSpPr>
-        <p:spPr>
+        </p:nvGrpSpPr>
+        <p:grpSpPr>
           <a:xfrm>
-            <a:off x="2985653" y="2105891"/>
-            <a:ext cx="794327" cy="794327"/>
+            <a:off x="2736644" y="1281084"/>
+            <a:ext cx="5537832" cy="5199873"/>
+            <a:chOff x="2736644" y="1281084"/>
+            <a:chExt cx="5537832" cy="5199873"/>
           </a:xfrm>
-          <a:prstGeom prst="ellipse">
-            <a:avLst/>
-          </a:prstGeom>
-          <a:noFill/>
-          <a:ln w="12700">
-            <a:solidFill>
-              <a:schemeClr val="tx1"/>
-            </a:solidFill>
-          </a:ln>
-        </p:spPr>
-        <p:style>
-          <a:lnRef idx="2">
-            <a:schemeClr val="accent1">
-              <a:shade val="50000"/>
-            </a:schemeClr>
-          </a:lnRef>
-          <a:fillRef idx="1">
-            <a:schemeClr val="accent1"/>
-          </a:fillRef>
-          <a:effectRef idx="0">
-            <a:schemeClr val="accent1"/>
-          </a:effectRef>
-          <a:fontRef idx="minor">
-            <a:schemeClr val="lt1"/>
-          </a:fontRef>
-        </p:style>
-        <p:txBody>
-          <a:bodyPr rtlCol="0" anchor="ctr"/>
-          <a:lstStyle/>
-          <a:p>
-            <a:pPr algn="ctr"/>
-            <a:r>
-              <a:rPr lang="en-US" altLang="zh-CN" sz="2400" i="1" dirty="0" smtClean="0">
+        </p:grpSpPr>
+        <p:sp>
+          <p:nvSpPr>
+            <p:cNvPr id="4" name="椭圆 3"/>
+            <p:cNvSpPr/>
+            <p:nvPr/>
+          </p:nvSpPr>
+          <p:spPr>
+            <a:xfrm>
+              <a:off x="2985653" y="2105891"/>
+              <a:ext cx="794327" cy="794327"/>
+            </a:xfrm>
+            <a:prstGeom prst="ellipse">
+              <a:avLst/>
+            </a:prstGeom>
+            <a:noFill/>
+            <a:ln w="12700">
+              <a:solidFill>
+                <a:schemeClr val="tx1"/>
+              </a:solidFill>
+            </a:ln>
+          </p:spPr>
+          <p:style>
+            <a:lnRef idx="2">
+              <a:schemeClr val="accent1">
+                <a:shade val="50000"/>
+              </a:schemeClr>
+            </a:lnRef>
+            <a:fillRef idx="1">
+              <a:schemeClr val="accent1"/>
+            </a:fillRef>
+            <a:effectRef idx="0">
+              <a:schemeClr val="accent1"/>
+            </a:effectRef>
+            <a:fontRef idx="minor">
+              <a:schemeClr val="lt1"/>
+            </a:fontRef>
+          </p:style>
+          <p:txBody>
+            <a:bodyPr rtlCol="0" anchor="ctr"/>
+            <a:lstStyle/>
+            <a:p>
+              <a:pPr algn="ctr"/>
+              <a:r>
+                <a:rPr lang="en-US" altLang="zh-CN" sz="2400" i="1" dirty="0" smtClean="0">
+                  <a:solidFill>
+                    <a:schemeClr val="tx1"/>
+                  </a:solidFill>
+                  <a:latin typeface="Times New Roman" panose="02020603050405020304" pitchFamily="18" charset="0"/>
+                  <a:cs typeface="Times New Roman" panose="02020603050405020304" pitchFamily="18" charset="0"/>
+                </a:rPr>
+                <a:t>x</a:t>
+              </a:r>
+              <a:r>
+                <a:rPr lang="en-US" altLang="zh-CN" sz="2400" baseline="-25000" dirty="0" smtClean="0">
+                  <a:solidFill>
+                    <a:schemeClr val="tx1"/>
+                  </a:solidFill>
+                  <a:latin typeface="Times New Roman" panose="02020603050405020304" pitchFamily="18" charset="0"/>
+                  <a:cs typeface="Times New Roman" panose="02020603050405020304" pitchFamily="18" charset="0"/>
+                </a:rPr>
+                <a:t>1</a:t>
+              </a:r>
+              <a:endParaRPr lang="zh-CN" altLang="en-US" sz="2400" baseline="-25000" dirty="0">
                 <a:solidFill>
                   <a:schemeClr val="tx1"/>
                 </a:solidFill>
                 <a:latin typeface="Times New Roman" panose="02020603050405020304" pitchFamily="18" charset="0"/>
                 <a:cs typeface="Times New Roman" panose="02020603050405020304" pitchFamily="18" charset="0"/>
-              </a:rPr>
-              <a:t>x</a:t>
-            </a:r>
-            <a:r>
-              <a:rPr lang="en-US" altLang="zh-CN" sz="2400" baseline="-25000" dirty="0" smtClean="0">
+              </a:endParaRPr>
+            </a:p>
+          </p:txBody>
+        </p:sp>
+        <p:sp>
+          <p:nvSpPr>
+            <p:cNvPr id="5" name="椭圆 4"/>
+            <p:cNvSpPr/>
+            <p:nvPr/>
+          </p:nvSpPr>
+          <p:spPr>
+            <a:xfrm>
+              <a:off x="2985653" y="3051079"/>
+              <a:ext cx="794327" cy="794327"/>
+            </a:xfrm>
+            <a:prstGeom prst="ellipse">
+              <a:avLst/>
+            </a:prstGeom>
+            <a:noFill/>
+            <a:ln w="12700">
+              <a:solidFill>
+                <a:schemeClr val="tx1"/>
+              </a:solidFill>
+            </a:ln>
+          </p:spPr>
+          <p:style>
+            <a:lnRef idx="2">
+              <a:schemeClr val="accent1">
+                <a:shade val="50000"/>
+              </a:schemeClr>
+            </a:lnRef>
+            <a:fillRef idx="1">
+              <a:schemeClr val="accent1"/>
+            </a:fillRef>
+            <a:effectRef idx="0">
+              <a:schemeClr val="accent1"/>
+            </a:effectRef>
+            <a:fontRef idx="minor">
+              <a:schemeClr val="lt1"/>
+            </a:fontRef>
+          </p:style>
+          <p:txBody>
+            <a:bodyPr rtlCol="0" anchor="ctr"/>
+            <a:lstStyle/>
+            <a:p>
+              <a:pPr algn="ctr"/>
+              <a:r>
+                <a:rPr lang="en-US" altLang="zh-CN" sz="2400" i="1" dirty="0">
+                  <a:solidFill>
+                    <a:schemeClr val="tx1"/>
+                  </a:solidFill>
+                  <a:latin typeface="Times New Roman" panose="02020603050405020304" pitchFamily="18" charset="0"/>
+                  <a:cs typeface="Times New Roman" panose="02020603050405020304" pitchFamily="18" charset="0"/>
+                </a:rPr>
+                <a:t>x</a:t>
+              </a:r>
+              <a:r>
+                <a:rPr lang="en-US" altLang="zh-CN" sz="2400" baseline="-25000" dirty="0">
+                  <a:solidFill>
+                    <a:schemeClr val="tx1"/>
+                  </a:solidFill>
+                  <a:latin typeface="Times New Roman" panose="02020603050405020304" pitchFamily="18" charset="0"/>
+                  <a:cs typeface="Times New Roman" panose="02020603050405020304" pitchFamily="18" charset="0"/>
+                </a:rPr>
+                <a:t>1</a:t>
+              </a:r>
+              <a:endParaRPr lang="zh-CN" altLang="en-US" sz="2400" dirty="0"/>
+            </a:p>
+          </p:txBody>
+        </p:sp>
+        <p:sp>
+          <p:nvSpPr>
+            <p:cNvPr id="6" name="椭圆 5"/>
+            <p:cNvSpPr/>
+            <p:nvPr/>
+          </p:nvSpPr>
+          <p:spPr>
+            <a:xfrm>
+              <a:off x="2985653" y="3996267"/>
+              <a:ext cx="794327" cy="794327"/>
+            </a:xfrm>
+            <a:prstGeom prst="ellipse">
+              <a:avLst/>
+            </a:prstGeom>
+            <a:noFill/>
+            <a:ln w="12700">
+              <a:solidFill>
+                <a:schemeClr val="tx1"/>
+              </a:solidFill>
+            </a:ln>
+          </p:spPr>
+          <p:style>
+            <a:lnRef idx="2">
+              <a:schemeClr val="accent1">
+                <a:shade val="50000"/>
+              </a:schemeClr>
+            </a:lnRef>
+            <a:fillRef idx="1">
+              <a:schemeClr val="accent1"/>
+            </a:fillRef>
+            <a:effectRef idx="0">
+              <a:schemeClr val="accent1"/>
+            </a:effectRef>
+            <a:fontRef idx="minor">
+              <a:schemeClr val="lt1"/>
+            </a:fontRef>
+          </p:style>
+          <p:txBody>
+            <a:bodyPr rtlCol="0" anchor="ctr"/>
+            <a:lstStyle/>
+            <a:p>
+              <a:pPr algn="ctr"/>
+              <a:r>
+                <a:rPr lang="en-US" altLang="zh-CN" sz="2400" i="1" dirty="0">
+                  <a:solidFill>
+                    <a:schemeClr val="tx1"/>
+                  </a:solidFill>
+                  <a:latin typeface="Times New Roman" panose="02020603050405020304" pitchFamily="18" charset="0"/>
+                  <a:cs typeface="Times New Roman" panose="02020603050405020304" pitchFamily="18" charset="0"/>
+                </a:rPr>
+                <a:t>x</a:t>
+              </a:r>
+              <a:r>
+                <a:rPr lang="en-US" altLang="zh-CN" sz="2400" baseline="-25000" dirty="0">
+                  <a:solidFill>
+                    <a:schemeClr val="tx1"/>
+                  </a:solidFill>
+                  <a:latin typeface="Times New Roman" panose="02020603050405020304" pitchFamily="18" charset="0"/>
+                  <a:cs typeface="Times New Roman" panose="02020603050405020304" pitchFamily="18" charset="0"/>
+                </a:rPr>
+                <a:t>1</a:t>
+              </a:r>
+              <a:endParaRPr lang="zh-CN" altLang="en-US" sz="2400" dirty="0"/>
+            </a:p>
+          </p:txBody>
+        </p:sp>
+        <p:sp>
+          <p:nvSpPr>
+            <p:cNvPr id="7" name="椭圆 6"/>
+            <p:cNvSpPr/>
+            <p:nvPr/>
+          </p:nvSpPr>
+          <p:spPr>
+            <a:xfrm>
+              <a:off x="2985653" y="4941455"/>
+              <a:ext cx="794327" cy="794327"/>
+            </a:xfrm>
+            <a:prstGeom prst="ellipse">
+              <a:avLst/>
+            </a:prstGeom>
+            <a:noFill/>
+            <a:ln w="12700">
+              <a:solidFill>
+                <a:schemeClr val="tx1"/>
+              </a:solidFill>
+            </a:ln>
+          </p:spPr>
+          <p:style>
+            <a:lnRef idx="2">
+              <a:schemeClr val="accent1">
+                <a:shade val="50000"/>
+              </a:schemeClr>
+            </a:lnRef>
+            <a:fillRef idx="1">
+              <a:schemeClr val="accent1"/>
+            </a:fillRef>
+            <a:effectRef idx="0">
+              <a:schemeClr val="accent1"/>
+            </a:effectRef>
+            <a:fontRef idx="minor">
+              <a:schemeClr val="lt1"/>
+            </a:fontRef>
+          </p:style>
+          <p:txBody>
+            <a:bodyPr rtlCol="0" anchor="ctr"/>
+            <a:lstStyle/>
+            <a:p>
+              <a:pPr algn="ctr"/>
+              <a:r>
+                <a:rPr lang="en-US" altLang="zh-CN" sz="2400" i="1" dirty="0">
+                  <a:solidFill>
+                    <a:schemeClr val="tx1"/>
+                  </a:solidFill>
+                  <a:latin typeface="Times New Roman" panose="02020603050405020304" pitchFamily="18" charset="0"/>
+                  <a:cs typeface="Times New Roman" panose="02020603050405020304" pitchFamily="18" charset="0"/>
+                </a:rPr>
+                <a:t>x</a:t>
+              </a:r>
+              <a:r>
+                <a:rPr lang="en-US" altLang="zh-CN" sz="2400" baseline="-25000" dirty="0">
+                  <a:solidFill>
+                    <a:schemeClr val="tx1"/>
+                  </a:solidFill>
+                  <a:latin typeface="Times New Roman" panose="02020603050405020304" pitchFamily="18" charset="0"/>
+                  <a:cs typeface="Times New Roman" panose="02020603050405020304" pitchFamily="18" charset="0"/>
+                </a:rPr>
+                <a:t>1</a:t>
+              </a:r>
+              <a:endParaRPr lang="zh-CN" altLang="en-US" sz="2400" dirty="0"/>
+            </a:p>
+          </p:txBody>
+        </p:sp>
+        <p:sp>
+          <p:nvSpPr>
+            <p:cNvPr id="8" name="椭圆 7"/>
+            <p:cNvSpPr/>
+            <p:nvPr/>
+          </p:nvSpPr>
+          <p:spPr>
+            <a:xfrm>
+              <a:off x="5075937" y="2621465"/>
+              <a:ext cx="794327" cy="794327"/>
+            </a:xfrm>
+            <a:prstGeom prst="ellipse">
+              <a:avLst/>
+            </a:prstGeom>
+            <a:noFill/>
+            <a:ln w="12700">
+              <a:solidFill>
+                <a:schemeClr val="tx1"/>
+              </a:solidFill>
+            </a:ln>
+          </p:spPr>
+          <p:style>
+            <a:lnRef idx="2">
+              <a:schemeClr val="accent1">
+                <a:shade val="50000"/>
+              </a:schemeClr>
+            </a:lnRef>
+            <a:fillRef idx="1">
+              <a:schemeClr val="accent1"/>
+            </a:fillRef>
+            <a:effectRef idx="0">
+              <a:schemeClr val="accent1"/>
+            </a:effectRef>
+            <a:fontRef idx="minor">
+              <a:schemeClr val="lt1"/>
+            </a:fontRef>
+          </p:style>
+          <p:txBody>
+            <a:bodyPr rtlCol="0" anchor="ctr"/>
+            <a:lstStyle/>
+            <a:p>
+              <a:pPr algn="ctr"/>
+              <a:r>
+                <a:rPr lang="en-US" altLang="zh-CN" sz="2400" i="1" dirty="0" smtClean="0">
+                  <a:solidFill>
+                    <a:schemeClr val="tx1"/>
+                  </a:solidFill>
+                  <a:latin typeface="Times New Roman" panose="02020603050405020304" pitchFamily="18" charset="0"/>
+                  <a:cs typeface="Times New Roman" panose="02020603050405020304" pitchFamily="18" charset="0"/>
+                </a:rPr>
+                <a:t>h</a:t>
+              </a:r>
+              <a:r>
+                <a:rPr lang="en-US" altLang="zh-CN" sz="2400" baseline="-25000" dirty="0" smtClean="0">
+                  <a:solidFill>
+                    <a:schemeClr val="tx1"/>
+                  </a:solidFill>
+                  <a:latin typeface="Times New Roman" panose="02020603050405020304" pitchFamily="18" charset="0"/>
+                  <a:cs typeface="Times New Roman" panose="02020603050405020304" pitchFamily="18" charset="0"/>
+                </a:rPr>
+                <a:t>1</a:t>
+              </a:r>
+              <a:endParaRPr lang="zh-CN" altLang="en-US" sz="2400" dirty="0"/>
+            </a:p>
+          </p:txBody>
+        </p:sp>
+        <p:sp>
+          <p:nvSpPr>
+            <p:cNvPr id="9" name="椭圆 8"/>
+            <p:cNvSpPr/>
+            <p:nvPr/>
+          </p:nvSpPr>
+          <p:spPr>
+            <a:xfrm>
+              <a:off x="5075937" y="3542793"/>
+              <a:ext cx="794327" cy="794327"/>
+            </a:xfrm>
+            <a:prstGeom prst="ellipse">
+              <a:avLst/>
+            </a:prstGeom>
+            <a:noFill/>
+            <a:ln w="12700">
+              <a:solidFill>
+                <a:schemeClr val="tx1"/>
+              </a:solidFill>
+            </a:ln>
+          </p:spPr>
+          <p:style>
+            <a:lnRef idx="2">
+              <a:schemeClr val="accent1">
+                <a:shade val="50000"/>
+              </a:schemeClr>
+            </a:lnRef>
+            <a:fillRef idx="1">
+              <a:schemeClr val="accent1"/>
+            </a:fillRef>
+            <a:effectRef idx="0">
+              <a:schemeClr val="accent1"/>
+            </a:effectRef>
+            <a:fontRef idx="minor">
+              <a:schemeClr val="lt1"/>
+            </a:fontRef>
+          </p:style>
+          <p:txBody>
+            <a:bodyPr rtlCol="0" anchor="ctr"/>
+            <a:lstStyle/>
+            <a:p>
+              <a:pPr algn="ctr"/>
+              <a:r>
+                <a:rPr lang="en-US" altLang="zh-CN" sz="2400" i="1" dirty="0" smtClean="0">
+                  <a:solidFill>
+                    <a:schemeClr val="tx1"/>
+                  </a:solidFill>
+                  <a:latin typeface="Times New Roman" panose="02020603050405020304" pitchFamily="18" charset="0"/>
+                  <a:cs typeface="Times New Roman" panose="02020603050405020304" pitchFamily="18" charset="0"/>
+                </a:rPr>
+                <a:t>h</a:t>
+              </a:r>
+              <a:r>
+                <a:rPr lang="en-US" altLang="zh-CN" sz="2400" baseline="-25000" dirty="0">
+                  <a:solidFill>
+                    <a:schemeClr val="tx1"/>
+                  </a:solidFill>
+                  <a:latin typeface="Times New Roman" panose="02020603050405020304" pitchFamily="18" charset="0"/>
+                  <a:cs typeface="Times New Roman" panose="02020603050405020304" pitchFamily="18" charset="0"/>
+                </a:rPr>
+                <a:t>2</a:t>
+              </a:r>
+              <a:endParaRPr lang="zh-CN" altLang="en-US" sz="2400" dirty="0"/>
+            </a:p>
+          </p:txBody>
+        </p:sp>
+        <p:sp>
+          <p:nvSpPr>
+            <p:cNvPr id="10" name="椭圆 9"/>
+            <p:cNvSpPr/>
+            <p:nvPr/>
+          </p:nvSpPr>
+          <p:spPr>
+            <a:xfrm>
+              <a:off x="5075937" y="4464120"/>
+              <a:ext cx="794327" cy="794327"/>
+            </a:xfrm>
+            <a:prstGeom prst="ellipse">
+              <a:avLst/>
+            </a:prstGeom>
+            <a:noFill/>
+            <a:ln w="12700">
+              <a:solidFill>
+                <a:schemeClr val="tx1"/>
+              </a:solidFill>
+            </a:ln>
+          </p:spPr>
+          <p:style>
+            <a:lnRef idx="2">
+              <a:schemeClr val="accent1">
+                <a:shade val="50000"/>
+              </a:schemeClr>
+            </a:lnRef>
+            <a:fillRef idx="1">
+              <a:schemeClr val="accent1"/>
+            </a:fillRef>
+            <a:effectRef idx="0">
+              <a:schemeClr val="accent1"/>
+            </a:effectRef>
+            <a:fontRef idx="minor">
+              <a:schemeClr val="lt1"/>
+            </a:fontRef>
+          </p:style>
+          <p:txBody>
+            <a:bodyPr rtlCol="0" anchor="ctr"/>
+            <a:lstStyle/>
+            <a:p>
+              <a:pPr algn="ctr"/>
+              <a:r>
+                <a:rPr lang="en-US" altLang="zh-CN" sz="2400" i="1" dirty="0" smtClean="0">
+                  <a:solidFill>
+                    <a:schemeClr val="tx1"/>
+                  </a:solidFill>
+                  <a:latin typeface="Times New Roman" panose="02020603050405020304" pitchFamily="18" charset="0"/>
+                  <a:cs typeface="Times New Roman" panose="02020603050405020304" pitchFamily="18" charset="0"/>
+                </a:rPr>
+                <a:t>h</a:t>
+              </a:r>
+              <a:r>
+                <a:rPr lang="en-US" altLang="zh-CN" sz="2400" baseline="-25000" dirty="0">
+                  <a:solidFill>
+                    <a:schemeClr val="tx1"/>
+                  </a:solidFill>
+                  <a:latin typeface="Times New Roman" panose="02020603050405020304" pitchFamily="18" charset="0"/>
+                  <a:cs typeface="Times New Roman" panose="02020603050405020304" pitchFamily="18" charset="0"/>
+                </a:rPr>
+                <a:t>3</a:t>
+              </a:r>
+              <a:endParaRPr lang="zh-CN" altLang="en-US" sz="2400" dirty="0"/>
+            </a:p>
+          </p:txBody>
+        </p:sp>
+        <p:sp>
+          <p:nvSpPr>
+            <p:cNvPr id="11" name="椭圆 10"/>
+            <p:cNvSpPr/>
+            <p:nvPr/>
+          </p:nvSpPr>
+          <p:spPr>
+            <a:xfrm>
+              <a:off x="7166221" y="3146521"/>
+              <a:ext cx="794327" cy="794327"/>
+            </a:xfrm>
+            <a:prstGeom prst="ellipse">
+              <a:avLst/>
+            </a:prstGeom>
+            <a:noFill/>
+            <a:ln w="12700">
+              <a:solidFill>
+                <a:schemeClr val="tx1"/>
+              </a:solidFill>
+            </a:ln>
+          </p:spPr>
+          <p:style>
+            <a:lnRef idx="2">
+              <a:schemeClr val="accent1">
+                <a:shade val="50000"/>
+              </a:schemeClr>
+            </a:lnRef>
+            <a:fillRef idx="1">
+              <a:schemeClr val="accent1"/>
+            </a:fillRef>
+            <a:effectRef idx="0">
+              <a:schemeClr val="accent1"/>
+            </a:effectRef>
+            <a:fontRef idx="minor">
+              <a:schemeClr val="lt1"/>
+            </a:fontRef>
+          </p:style>
+          <p:txBody>
+            <a:bodyPr rtlCol="0" anchor="ctr"/>
+            <a:lstStyle/>
+            <a:p>
+              <a:pPr algn="ctr"/>
+              <a:r>
+                <a:rPr lang="en-US" altLang="zh-CN" sz="2400" i="1" dirty="0" smtClean="0">
+                  <a:solidFill>
+                    <a:schemeClr val="tx1"/>
+                  </a:solidFill>
+                  <a:latin typeface="Times New Roman" panose="02020603050405020304" pitchFamily="18" charset="0"/>
+                  <a:cs typeface="Times New Roman" panose="02020603050405020304" pitchFamily="18" charset="0"/>
+                </a:rPr>
+                <a:t>o</a:t>
+              </a:r>
+              <a:r>
+                <a:rPr lang="en-US" altLang="zh-CN" sz="2400" baseline="-25000" dirty="0" smtClean="0">
+                  <a:solidFill>
+                    <a:schemeClr val="tx1"/>
+                  </a:solidFill>
+                  <a:latin typeface="Times New Roman" panose="02020603050405020304" pitchFamily="18" charset="0"/>
+                  <a:cs typeface="Times New Roman" panose="02020603050405020304" pitchFamily="18" charset="0"/>
+                </a:rPr>
+                <a:t>1</a:t>
+              </a:r>
+              <a:endParaRPr lang="zh-CN" altLang="en-US" sz="2400" dirty="0"/>
+            </a:p>
+          </p:txBody>
+        </p:sp>
+        <p:sp>
+          <p:nvSpPr>
+            <p:cNvPr id="12" name="椭圆 11"/>
+            <p:cNvSpPr/>
+            <p:nvPr/>
+          </p:nvSpPr>
+          <p:spPr>
+            <a:xfrm>
+              <a:off x="7166221" y="3996267"/>
+              <a:ext cx="794327" cy="794327"/>
+            </a:xfrm>
+            <a:prstGeom prst="ellipse">
+              <a:avLst/>
+            </a:prstGeom>
+            <a:noFill/>
+            <a:ln w="12700">
+              <a:solidFill>
+                <a:schemeClr val="tx1"/>
+              </a:solidFill>
+            </a:ln>
+          </p:spPr>
+          <p:style>
+            <a:lnRef idx="2">
+              <a:schemeClr val="accent1">
+                <a:shade val="50000"/>
+              </a:schemeClr>
+            </a:lnRef>
+            <a:fillRef idx="1">
+              <a:schemeClr val="accent1"/>
+            </a:fillRef>
+            <a:effectRef idx="0">
+              <a:schemeClr val="accent1"/>
+            </a:effectRef>
+            <a:fontRef idx="minor">
+              <a:schemeClr val="lt1"/>
+            </a:fontRef>
+          </p:style>
+          <p:txBody>
+            <a:bodyPr rtlCol="0" anchor="ctr"/>
+            <a:lstStyle/>
+            <a:p>
+              <a:pPr algn="ctr"/>
+              <a:r>
+                <a:rPr lang="en-US" altLang="zh-CN" sz="2400" i="1" dirty="0" smtClean="0">
+                  <a:solidFill>
+                    <a:schemeClr val="tx1"/>
+                  </a:solidFill>
+                  <a:latin typeface="Times New Roman" panose="02020603050405020304" pitchFamily="18" charset="0"/>
+                  <a:cs typeface="Times New Roman" panose="02020603050405020304" pitchFamily="18" charset="0"/>
+                </a:rPr>
+                <a:t>o</a:t>
+              </a:r>
+              <a:r>
+                <a:rPr lang="en-US" altLang="zh-CN" sz="2400" baseline="-25000" dirty="0">
+                  <a:solidFill>
+                    <a:schemeClr val="tx1"/>
+                  </a:solidFill>
+                  <a:latin typeface="Times New Roman" panose="02020603050405020304" pitchFamily="18" charset="0"/>
+                  <a:cs typeface="Times New Roman" panose="02020603050405020304" pitchFamily="18" charset="0"/>
+                </a:rPr>
+                <a:t>2</a:t>
+              </a:r>
+              <a:endParaRPr lang="zh-CN" altLang="en-US" sz="2400" dirty="0"/>
+            </a:p>
+          </p:txBody>
+        </p:sp>
+        <p:sp>
+          <p:nvSpPr>
+            <p:cNvPr id="13" name="椭圆 12"/>
+            <p:cNvSpPr/>
+            <p:nvPr/>
+          </p:nvSpPr>
+          <p:spPr>
+            <a:xfrm>
+              <a:off x="4285905" y="1281084"/>
+              <a:ext cx="595746" cy="595746"/>
+            </a:xfrm>
+            <a:prstGeom prst="ellipse">
+              <a:avLst/>
+            </a:prstGeom>
+            <a:noFill/>
+            <a:ln w="12700">
+              <a:solidFill>
+                <a:schemeClr val="tx1"/>
+              </a:solidFill>
+            </a:ln>
+          </p:spPr>
+          <p:style>
+            <a:lnRef idx="2">
+              <a:schemeClr val="accent1">
+                <a:shade val="50000"/>
+              </a:schemeClr>
+            </a:lnRef>
+            <a:fillRef idx="1">
+              <a:schemeClr val="accent1"/>
+            </a:fillRef>
+            <a:effectRef idx="0">
+              <a:schemeClr val="accent1"/>
+            </a:effectRef>
+            <a:fontRef idx="minor">
+              <a:schemeClr val="lt1"/>
+            </a:fontRef>
+          </p:style>
+          <p:txBody>
+            <a:bodyPr rtlCol="0" anchor="ctr"/>
+            <a:lstStyle/>
+            <a:p>
+              <a:pPr algn="ctr"/>
+              <a:r>
+                <a:rPr lang="en-US" altLang="zh-CN" sz="1600" dirty="0" smtClean="0">
+                  <a:solidFill>
+                    <a:schemeClr val="tx1"/>
+                  </a:solidFill>
+                  <a:latin typeface="Times New Roman" panose="02020603050405020304" pitchFamily="18" charset="0"/>
+                  <a:cs typeface="Times New Roman" panose="02020603050405020304" pitchFamily="18" charset="0"/>
+                </a:rPr>
+                <a:t>+1</a:t>
+              </a:r>
+              <a:endParaRPr lang="zh-CN" altLang="en-US" dirty="0">
                 <a:solidFill>
                   <a:schemeClr val="tx1"/>
                 </a:solidFill>
                 <a:latin typeface="Times New Roman" panose="02020603050405020304" pitchFamily="18" charset="0"/>
                 <a:cs typeface="Times New Roman" panose="02020603050405020304" pitchFamily="18" charset="0"/>
-              </a:rPr>
-              <a:t>1</a:t>
-            </a:r>
-            <a:endParaRPr lang="zh-CN" altLang="en-US" sz="2400" baseline="-25000" dirty="0">
+              </a:endParaRPr>
+            </a:p>
+          </p:txBody>
+        </p:sp>
+        <p:sp>
+          <p:nvSpPr>
+            <p:cNvPr id="14" name="椭圆 13"/>
+            <p:cNvSpPr/>
+            <p:nvPr/>
+          </p:nvSpPr>
+          <p:spPr>
+            <a:xfrm>
+              <a:off x="6453910" y="1973996"/>
+              <a:ext cx="595746" cy="595746"/>
+            </a:xfrm>
+            <a:prstGeom prst="ellipse">
+              <a:avLst/>
+            </a:prstGeom>
+            <a:noFill/>
+            <a:ln w="12700">
               <a:solidFill>
                 <a:schemeClr val="tx1"/>
               </a:solidFill>
-              <a:latin typeface="Times New Roman" panose="02020603050405020304" pitchFamily="18" charset="0"/>
-              <a:cs typeface="Times New Roman" panose="02020603050405020304" pitchFamily="18" charset="0"/>
-            </a:endParaRPr>
-          </a:p>
-        </p:txBody>
-      </p:sp>
-      <p:sp>
-        <p:nvSpPr>
-          <p:cNvPr id="5" name="椭圆 4"/>
-          <p:cNvSpPr/>
-          <p:nvPr/>
-        </p:nvSpPr>
-        <p:spPr>
-          <a:xfrm>
-            <a:off x="2985653" y="3051079"/>
-            <a:ext cx="794327" cy="794327"/>
-          </a:xfrm>
-          <a:prstGeom prst="ellipse">
-            <a:avLst/>
-          </a:prstGeom>
-          <a:noFill/>
-          <a:ln w="12700">
-            <a:solidFill>
-              <a:schemeClr val="tx1"/>
-            </a:solidFill>
-          </a:ln>
-        </p:spPr>
-        <p:style>
-          <a:lnRef idx="2">
-            <a:schemeClr val="accent1">
-              <a:shade val="50000"/>
-            </a:schemeClr>
-          </a:lnRef>
-          <a:fillRef idx="1">
-            <a:schemeClr val="accent1"/>
-          </a:fillRef>
-          <a:effectRef idx="0">
-            <a:schemeClr val="accent1"/>
-          </a:effectRef>
-          <a:fontRef idx="minor">
-            <a:schemeClr val="lt1"/>
-          </a:fontRef>
-        </p:style>
-        <p:txBody>
-          <a:bodyPr rtlCol="0" anchor="ctr"/>
-          <a:lstStyle/>
-          <a:p>
-            <a:pPr algn="ctr"/>
-            <a:r>
-              <a:rPr lang="en-US" altLang="zh-CN" sz="2400" i="1" dirty="0">
-                <a:solidFill>
-                  <a:schemeClr val="tx1"/>
-                </a:solidFill>
-                <a:latin typeface="Times New Roman" panose="02020603050405020304" pitchFamily="18" charset="0"/>
-                <a:cs typeface="Times New Roman" panose="02020603050405020304" pitchFamily="18" charset="0"/>
-              </a:rPr>
-              <a:t>x</a:t>
-            </a:r>
-            <a:r>
-              <a:rPr lang="en-US" altLang="zh-CN" sz="2400" baseline="-25000" dirty="0">
-                <a:solidFill>
-                  <a:schemeClr val="tx1"/>
-                </a:solidFill>
-                <a:latin typeface="Times New Roman" panose="02020603050405020304" pitchFamily="18" charset="0"/>
-                <a:cs typeface="Times New Roman" panose="02020603050405020304" pitchFamily="18" charset="0"/>
-              </a:rPr>
-              <a:t>1</a:t>
-            </a:r>
-            <a:endParaRPr lang="zh-CN" altLang="en-US" sz="2400" dirty="0"/>
-          </a:p>
-        </p:txBody>
-      </p:sp>
-      <p:sp>
-        <p:nvSpPr>
-          <p:cNvPr id="6" name="椭圆 5"/>
-          <p:cNvSpPr/>
-          <p:nvPr/>
-        </p:nvSpPr>
-        <p:spPr>
-          <a:xfrm>
-            <a:off x="2985653" y="3996267"/>
-            <a:ext cx="794327" cy="794327"/>
-          </a:xfrm>
-          <a:prstGeom prst="ellipse">
-            <a:avLst/>
-          </a:prstGeom>
-          <a:noFill/>
-          <a:ln w="12700">
-            <a:solidFill>
-              <a:schemeClr val="tx1"/>
-            </a:solidFill>
-          </a:ln>
-        </p:spPr>
-        <p:style>
-          <a:lnRef idx="2">
-            <a:schemeClr val="accent1">
-              <a:shade val="50000"/>
-            </a:schemeClr>
-          </a:lnRef>
-          <a:fillRef idx="1">
-            <a:schemeClr val="accent1"/>
-          </a:fillRef>
-          <a:effectRef idx="0">
-            <a:schemeClr val="accent1"/>
-          </a:effectRef>
-          <a:fontRef idx="minor">
-            <a:schemeClr val="lt1"/>
-          </a:fontRef>
-        </p:style>
-        <p:txBody>
-          <a:bodyPr rtlCol="0" anchor="ctr"/>
-          <a:lstStyle/>
-          <a:p>
-            <a:pPr algn="ctr"/>
-            <a:r>
-              <a:rPr lang="en-US" altLang="zh-CN" sz="2400" i="1" dirty="0">
-                <a:solidFill>
-                  <a:schemeClr val="tx1"/>
-                </a:solidFill>
-                <a:latin typeface="Times New Roman" panose="02020603050405020304" pitchFamily="18" charset="0"/>
-                <a:cs typeface="Times New Roman" panose="02020603050405020304" pitchFamily="18" charset="0"/>
-              </a:rPr>
-              <a:t>x</a:t>
-            </a:r>
-            <a:r>
-              <a:rPr lang="en-US" altLang="zh-CN" sz="2400" baseline="-25000" dirty="0">
-                <a:solidFill>
-                  <a:schemeClr val="tx1"/>
-                </a:solidFill>
-                <a:latin typeface="Times New Roman" panose="02020603050405020304" pitchFamily="18" charset="0"/>
-                <a:cs typeface="Times New Roman" panose="02020603050405020304" pitchFamily="18" charset="0"/>
-              </a:rPr>
-              <a:t>1</a:t>
-            </a:r>
-            <a:endParaRPr lang="zh-CN" altLang="en-US" sz="2400" dirty="0"/>
-          </a:p>
-        </p:txBody>
-      </p:sp>
-      <p:sp>
-        <p:nvSpPr>
-          <p:cNvPr id="7" name="椭圆 6"/>
-          <p:cNvSpPr/>
-          <p:nvPr/>
-        </p:nvSpPr>
-        <p:spPr>
-          <a:xfrm>
-            <a:off x="2985653" y="4941455"/>
-            <a:ext cx="794327" cy="794327"/>
-          </a:xfrm>
-          <a:prstGeom prst="ellipse">
-            <a:avLst/>
-          </a:prstGeom>
-          <a:noFill/>
-          <a:ln w="12700">
-            <a:solidFill>
-              <a:schemeClr val="tx1"/>
-            </a:solidFill>
-          </a:ln>
-        </p:spPr>
-        <p:style>
-          <a:lnRef idx="2">
-            <a:schemeClr val="accent1">
-              <a:shade val="50000"/>
-            </a:schemeClr>
-          </a:lnRef>
-          <a:fillRef idx="1">
-            <a:schemeClr val="accent1"/>
-          </a:fillRef>
-          <a:effectRef idx="0">
-            <a:schemeClr val="accent1"/>
-          </a:effectRef>
-          <a:fontRef idx="minor">
-            <a:schemeClr val="lt1"/>
-          </a:fontRef>
-        </p:style>
-        <p:txBody>
-          <a:bodyPr rtlCol="0" anchor="ctr"/>
-          <a:lstStyle/>
-          <a:p>
-            <a:pPr algn="ctr"/>
-            <a:r>
-              <a:rPr lang="en-US" altLang="zh-CN" sz="2400" i="1" dirty="0">
-                <a:solidFill>
-                  <a:schemeClr val="tx1"/>
-                </a:solidFill>
-                <a:latin typeface="Times New Roman" panose="02020603050405020304" pitchFamily="18" charset="0"/>
-                <a:cs typeface="Times New Roman" panose="02020603050405020304" pitchFamily="18" charset="0"/>
-              </a:rPr>
-              <a:t>x</a:t>
-            </a:r>
-            <a:r>
-              <a:rPr lang="en-US" altLang="zh-CN" sz="2400" baseline="-25000" dirty="0">
-                <a:solidFill>
-                  <a:schemeClr val="tx1"/>
-                </a:solidFill>
-                <a:latin typeface="Times New Roman" panose="02020603050405020304" pitchFamily="18" charset="0"/>
-                <a:cs typeface="Times New Roman" panose="02020603050405020304" pitchFamily="18" charset="0"/>
-              </a:rPr>
-              <a:t>1</a:t>
-            </a:r>
-            <a:endParaRPr lang="zh-CN" altLang="en-US" sz="2400" dirty="0"/>
-          </a:p>
-        </p:txBody>
-      </p:sp>
-      <p:sp>
-        <p:nvSpPr>
-          <p:cNvPr id="8" name="椭圆 7"/>
-          <p:cNvSpPr/>
-          <p:nvPr/>
-        </p:nvSpPr>
-        <p:spPr>
-          <a:xfrm>
-            <a:off x="5075937" y="2621465"/>
-            <a:ext cx="794327" cy="794327"/>
-          </a:xfrm>
-          <a:prstGeom prst="ellipse">
-            <a:avLst/>
-          </a:prstGeom>
-          <a:noFill/>
-          <a:ln w="12700">
-            <a:solidFill>
-              <a:schemeClr val="tx1"/>
-            </a:solidFill>
-          </a:ln>
-        </p:spPr>
-        <p:style>
-          <a:lnRef idx="2">
-            <a:schemeClr val="accent1">
-              <a:shade val="50000"/>
-            </a:schemeClr>
-          </a:lnRef>
-          <a:fillRef idx="1">
-            <a:schemeClr val="accent1"/>
-          </a:fillRef>
-          <a:effectRef idx="0">
-            <a:schemeClr val="accent1"/>
-          </a:effectRef>
-          <a:fontRef idx="minor">
-            <a:schemeClr val="lt1"/>
-          </a:fontRef>
-        </p:style>
-        <p:txBody>
-          <a:bodyPr rtlCol="0" anchor="ctr"/>
-          <a:lstStyle/>
-          <a:p>
-            <a:pPr algn="ctr"/>
-            <a:r>
-              <a:rPr lang="en-US" altLang="zh-CN" sz="2400" i="1" dirty="0" smtClean="0">
-                <a:solidFill>
-                  <a:schemeClr val="tx1"/>
-                </a:solidFill>
-                <a:latin typeface="Times New Roman" panose="02020603050405020304" pitchFamily="18" charset="0"/>
-                <a:cs typeface="Times New Roman" panose="02020603050405020304" pitchFamily="18" charset="0"/>
-              </a:rPr>
-              <a:t>h</a:t>
-            </a:r>
-            <a:r>
-              <a:rPr lang="en-US" altLang="zh-CN" sz="2400" baseline="-25000" dirty="0" smtClean="0">
-                <a:solidFill>
-                  <a:schemeClr val="tx1"/>
-                </a:solidFill>
-                <a:latin typeface="Times New Roman" panose="02020603050405020304" pitchFamily="18" charset="0"/>
-                <a:cs typeface="Times New Roman" panose="02020603050405020304" pitchFamily="18" charset="0"/>
-              </a:rPr>
-              <a:t>1</a:t>
-            </a:r>
-            <a:endParaRPr lang="zh-CN" altLang="en-US" sz="2400" dirty="0"/>
-          </a:p>
-        </p:txBody>
-      </p:sp>
-      <p:sp>
-        <p:nvSpPr>
-          <p:cNvPr id="9" name="椭圆 8"/>
-          <p:cNvSpPr/>
-          <p:nvPr/>
-        </p:nvSpPr>
-        <p:spPr>
-          <a:xfrm>
-            <a:off x="5075937" y="3542793"/>
-            <a:ext cx="794327" cy="794327"/>
-          </a:xfrm>
-          <a:prstGeom prst="ellipse">
-            <a:avLst/>
-          </a:prstGeom>
-          <a:noFill/>
-          <a:ln w="12700">
-            <a:solidFill>
-              <a:schemeClr val="tx1"/>
-            </a:solidFill>
-          </a:ln>
-        </p:spPr>
-        <p:style>
-          <a:lnRef idx="2">
-            <a:schemeClr val="accent1">
-              <a:shade val="50000"/>
-            </a:schemeClr>
-          </a:lnRef>
-          <a:fillRef idx="1">
-            <a:schemeClr val="accent1"/>
-          </a:fillRef>
-          <a:effectRef idx="0">
-            <a:schemeClr val="accent1"/>
-          </a:effectRef>
-          <a:fontRef idx="minor">
-            <a:schemeClr val="lt1"/>
-          </a:fontRef>
-        </p:style>
-        <p:txBody>
-          <a:bodyPr rtlCol="0" anchor="ctr"/>
-          <a:lstStyle/>
-          <a:p>
-            <a:pPr algn="ctr"/>
-            <a:r>
-              <a:rPr lang="en-US" altLang="zh-CN" sz="2400" i="1" dirty="0" smtClean="0">
-                <a:solidFill>
-                  <a:schemeClr val="tx1"/>
-                </a:solidFill>
-                <a:latin typeface="Times New Roman" panose="02020603050405020304" pitchFamily="18" charset="0"/>
-                <a:cs typeface="Times New Roman" panose="02020603050405020304" pitchFamily="18" charset="0"/>
-              </a:rPr>
-              <a:t>h</a:t>
-            </a:r>
-            <a:r>
-              <a:rPr lang="en-US" altLang="zh-CN" sz="2400" baseline="-25000" dirty="0">
-                <a:solidFill>
-                  <a:schemeClr val="tx1"/>
-                </a:solidFill>
-                <a:latin typeface="Times New Roman" panose="02020603050405020304" pitchFamily="18" charset="0"/>
-                <a:cs typeface="Times New Roman" panose="02020603050405020304" pitchFamily="18" charset="0"/>
-              </a:rPr>
-              <a:t>2</a:t>
-            </a:r>
-            <a:endParaRPr lang="zh-CN" altLang="en-US" sz="2400" dirty="0"/>
-          </a:p>
-        </p:txBody>
-      </p:sp>
-      <p:sp>
-        <p:nvSpPr>
-          <p:cNvPr id="10" name="椭圆 9"/>
-          <p:cNvSpPr/>
-          <p:nvPr/>
-        </p:nvSpPr>
-        <p:spPr>
-          <a:xfrm>
-            <a:off x="5075937" y="4464120"/>
-            <a:ext cx="794327" cy="794327"/>
-          </a:xfrm>
-          <a:prstGeom prst="ellipse">
-            <a:avLst/>
-          </a:prstGeom>
-          <a:noFill/>
-          <a:ln w="12700">
-            <a:solidFill>
-              <a:schemeClr val="tx1"/>
-            </a:solidFill>
-          </a:ln>
-        </p:spPr>
-        <p:style>
-          <a:lnRef idx="2">
-            <a:schemeClr val="accent1">
-              <a:shade val="50000"/>
-            </a:schemeClr>
-          </a:lnRef>
-          <a:fillRef idx="1">
-            <a:schemeClr val="accent1"/>
-          </a:fillRef>
-          <a:effectRef idx="0">
-            <a:schemeClr val="accent1"/>
-          </a:effectRef>
-          <a:fontRef idx="minor">
-            <a:schemeClr val="lt1"/>
-          </a:fontRef>
-        </p:style>
-        <p:txBody>
-          <a:bodyPr rtlCol="0" anchor="ctr"/>
-          <a:lstStyle/>
-          <a:p>
-            <a:pPr algn="ctr"/>
-            <a:r>
-              <a:rPr lang="en-US" altLang="zh-CN" sz="2400" i="1" dirty="0" smtClean="0">
-                <a:solidFill>
-                  <a:schemeClr val="tx1"/>
-                </a:solidFill>
-                <a:latin typeface="Times New Roman" panose="02020603050405020304" pitchFamily="18" charset="0"/>
-                <a:cs typeface="Times New Roman" panose="02020603050405020304" pitchFamily="18" charset="0"/>
-              </a:rPr>
-              <a:t>h</a:t>
-            </a:r>
-            <a:r>
-              <a:rPr lang="en-US" altLang="zh-CN" sz="2400" baseline="-25000" dirty="0">
-                <a:solidFill>
-                  <a:schemeClr val="tx1"/>
-                </a:solidFill>
-                <a:latin typeface="Times New Roman" panose="02020603050405020304" pitchFamily="18" charset="0"/>
-                <a:cs typeface="Times New Roman" panose="02020603050405020304" pitchFamily="18" charset="0"/>
-              </a:rPr>
-              <a:t>3</a:t>
-            </a:r>
-            <a:endParaRPr lang="zh-CN" altLang="en-US" sz="2400" dirty="0"/>
-          </a:p>
-        </p:txBody>
-      </p:sp>
-      <p:sp>
-        <p:nvSpPr>
-          <p:cNvPr id="11" name="椭圆 10"/>
-          <p:cNvSpPr/>
-          <p:nvPr/>
-        </p:nvSpPr>
-        <p:spPr>
-          <a:xfrm>
-            <a:off x="7166221" y="3146521"/>
-            <a:ext cx="794327" cy="794327"/>
-          </a:xfrm>
-          <a:prstGeom prst="ellipse">
-            <a:avLst/>
-          </a:prstGeom>
-          <a:noFill/>
-          <a:ln w="12700">
-            <a:solidFill>
-              <a:schemeClr val="tx1"/>
-            </a:solidFill>
-          </a:ln>
-        </p:spPr>
-        <p:style>
-          <a:lnRef idx="2">
-            <a:schemeClr val="accent1">
-              <a:shade val="50000"/>
-            </a:schemeClr>
-          </a:lnRef>
-          <a:fillRef idx="1">
-            <a:schemeClr val="accent1"/>
-          </a:fillRef>
-          <a:effectRef idx="0">
-            <a:schemeClr val="accent1"/>
-          </a:effectRef>
-          <a:fontRef idx="minor">
-            <a:schemeClr val="lt1"/>
-          </a:fontRef>
-        </p:style>
-        <p:txBody>
-          <a:bodyPr rtlCol="0" anchor="ctr"/>
-          <a:lstStyle/>
-          <a:p>
-            <a:pPr algn="ctr"/>
-            <a:r>
-              <a:rPr lang="en-US" altLang="zh-CN" sz="2400" i="1" dirty="0" smtClean="0">
-                <a:solidFill>
-                  <a:schemeClr val="tx1"/>
-                </a:solidFill>
-                <a:latin typeface="Times New Roman" panose="02020603050405020304" pitchFamily="18" charset="0"/>
-                <a:cs typeface="Times New Roman" panose="02020603050405020304" pitchFamily="18" charset="0"/>
-              </a:rPr>
-              <a:t>o</a:t>
-            </a:r>
-            <a:r>
-              <a:rPr lang="en-US" altLang="zh-CN" sz="2400" baseline="-25000" dirty="0" smtClean="0">
-                <a:solidFill>
-                  <a:schemeClr val="tx1"/>
-                </a:solidFill>
-                <a:latin typeface="Times New Roman" panose="02020603050405020304" pitchFamily="18" charset="0"/>
-                <a:cs typeface="Times New Roman" panose="02020603050405020304" pitchFamily="18" charset="0"/>
-              </a:rPr>
-              <a:t>1</a:t>
-            </a:r>
-            <a:endParaRPr lang="zh-CN" altLang="en-US" sz="2400" dirty="0"/>
-          </a:p>
-        </p:txBody>
-      </p:sp>
-      <p:sp>
-        <p:nvSpPr>
-          <p:cNvPr id="12" name="椭圆 11"/>
-          <p:cNvSpPr/>
-          <p:nvPr/>
-        </p:nvSpPr>
-        <p:spPr>
-          <a:xfrm>
-            <a:off x="7166221" y="3996267"/>
-            <a:ext cx="794327" cy="794327"/>
-          </a:xfrm>
-          <a:prstGeom prst="ellipse">
-            <a:avLst/>
-          </a:prstGeom>
-          <a:noFill/>
-          <a:ln w="12700">
-            <a:solidFill>
-              <a:schemeClr val="tx1"/>
-            </a:solidFill>
-          </a:ln>
-        </p:spPr>
-        <p:style>
-          <a:lnRef idx="2">
-            <a:schemeClr val="accent1">
-              <a:shade val="50000"/>
-            </a:schemeClr>
-          </a:lnRef>
-          <a:fillRef idx="1">
-            <a:schemeClr val="accent1"/>
-          </a:fillRef>
-          <a:effectRef idx="0">
-            <a:schemeClr val="accent1"/>
-          </a:effectRef>
-          <a:fontRef idx="minor">
-            <a:schemeClr val="lt1"/>
-          </a:fontRef>
-        </p:style>
-        <p:txBody>
-          <a:bodyPr rtlCol="0" anchor="ctr"/>
-          <a:lstStyle/>
-          <a:p>
-            <a:pPr algn="ctr"/>
-            <a:r>
-              <a:rPr lang="en-US" altLang="zh-CN" sz="2400" i="1" dirty="0" smtClean="0">
-                <a:solidFill>
-                  <a:schemeClr val="tx1"/>
-                </a:solidFill>
-                <a:latin typeface="Times New Roman" panose="02020603050405020304" pitchFamily="18" charset="0"/>
-                <a:cs typeface="Times New Roman" panose="02020603050405020304" pitchFamily="18" charset="0"/>
-              </a:rPr>
-              <a:t>o</a:t>
-            </a:r>
-            <a:r>
-              <a:rPr lang="en-US" altLang="zh-CN" sz="2400" baseline="-25000" dirty="0">
-                <a:solidFill>
-                  <a:schemeClr val="tx1"/>
-                </a:solidFill>
-                <a:latin typeface="Times New Roman" panose="02020603050405020304" pitchFamily="18" charset="0"/>
-                <a:cs typeface="Times New Roman" panose="02020603050405020304" pitchFamily="18" charset="0"/>
-              </a:rPr>
-              <a:t>2</a:t>
-            </a:r>
-            <a:endParaRPr lang="zh-CN" altLang="en-US" sz="2400" dirty="0"/>
-          </a:p>
-        </p:txBody>
-      </p:sp>
-      <p:sp>
-        <p:nvSpPr>
-          <p:cNvPr id="13" name="椭圆 12"/>
-          <p:cNvSpPr/>
-          <p:nvPr/>
-        </p:nvSpPr>
-        <p:spPr>
-          <a:xfrm>
-            <a:off x="4285905" y="1281084"/>
-            <a:ext cx="595746" cy="595746"/>
-          </a:xfrm>
-          <a:prstGeom prst="ellipse">
-            <a:avLst/>
-          </a:prstGeom>
-          <a:noFill/>
-          <a:ln w="12700">
-            <a:solidFill>
-              <a:schemeClr val="tx1"/>
-            </a:solidFill>
-          </a:ln>
-        </p:spPr>
-        <p:style>
-          <a:lnRef idx="2">
-            <a:schemeClr val="accent1">
-              <a:shade val="50000"/>
-            </a:schemeClr>
-          </a:lnRef>
-          <a:fillRef idx="1">
-            <a:schemeClr val="accent1"/>
-          </a:fillRef>
-          <a:effectRef idx="0">
-            <a:schemeClr val="accent1"/>
-          </a:effectRef>
-          <a:fontRef idx="minor">
-            <a:schemeClr val="lt1"/>
-          </a:fontRef>
-        </p:style>
-        <p:txBody>
-          <a:bodyPr rtlCol="0" anchor="ctr"/>
-          <a:lstStyle/>
-          <a:p>
-            <a:pPr algn="ctr"/>
-            <a:r>
-              <a:rPr lang="en-US" altLang="zh-CN" sz="1600" dirty="0" smtClean="0">
-                <a:solidFill>
-                  <a:schemeClr val="tx1"/>
-                </a:solidFill>
-                <a:latin typeface="Times New Roman" panose="02020603050405020304" pitchFamily="18" charset="0"/>
-                <a:cs typeface="Times New Roman" panose="02020603050405020304" pitchFamily="18" charset="0"/>
-              </a:rPr>
-              <a:t>+1</a:t>
-            </a:r>
-            <a:endParaRPr lang="zh-CN" altLang="en-US" dirty="0">
+            </a:ln>
+          </p:spPr>
+          <p:style>
+            <a:lnRef idx="2">
+              <a:schemeClr val="accent1">
+                <a:shade val="50000"/>
+              </a:schemeClr>
+            </a:lnRef>
+            <a:fillRef idx="1">
+              <a:schemeClr val="accent1"/>
+            </a:fillRef>
+            <a:effectRef idx="0">
+              <a:schemeClr val="accent1"/>
+            </a:effectRef>
+            <a:fontRef idx="minor">
+              <a:schemeClr val="lt1"/>
+            </a:fontRef>
+          </p:style>
+          <p:txBody>
+            <a:bodyPr rtlCol="0" anchor="ctr"/>
+            <a:lstStyle/>
+            <a:p>
+              <a:pPr algn="ctr"/>
+              <a:r>
+                <a:rPr lang="en-US" altLang="zh-CN" sz="1600" dirty="0">
+                  <a:solidFill>
+                    <a:schemeClr val="tx1"/>
+                  </a:solidFill>
+                  <a:latin typeface="Times New Roman" panose="02020603050405020304" pitchFamily="18" charset="0"/>
+                  <a:cs typeface="Times New Roman" panose="02020603050405020304" pitchFamily="18" charset="0"/>
+                </a:rPr>
+                <a:t>+1</a:t>
+              </a:r>
+              <a:endParaRPr lang="zh-CN" altLang="en-US" sz="1600" dirty="0"/>
+            </a:p>
+          </p:txBody>
+        </p:sp>
+        <p:cxnSp>
+          <p:nvCxnSpPr>
+            <p:cNvPr id="16" name="直接箭头连接符 15"/>
+            <p:cNvCxnSpPr>
+              <a:stCxn id="4" idx="6"/>
+              <a:endCxn id="8" idx="2"/>
+            </p:cNvCxnSpPr>
+            <p:nvPr/>
+          </p:nvCxnSpPr>
+          <p:spPr>
+            <a:xfrm>
+              <a:off x="3779980" y="2503055"/>
+              <a:ext cx="1295957" cy="515574"/>
+            </a:xfrm>
+            <a:prstGeom prst="straightConnector1">
+              <a:avLst/>
+            </a:prstGeom>
+            <a:ln w="12700">
               <a:solidFill>
                 <a:schemeClr val="tx1"/>
               </a:solidFill>
-              <a:latin typeface="Times New Roman" panose="02020603050405020304" pitchFamily="18" charset="0"/>
-              <a:cs typeface="Times New Roman" panose="02020603050405020304" pitchFamily="18" charset="0"/>
-            </a:endParaRPr>
-          </a:p>
-        </p:txBody>
-      </p:sp>
-      <p:sp>
-        <p:nvSpPr>
-          <p:cNvPr id="14" name="椭圆 13"/>
-          <p:cNvSpPr/>
-          <p:nvPr/>
-        </p:nvSpPr>
-        <p:spPr>
-          <a:xfrm>
-            <a:off x="6453910" y="1973996"/>
-            <a:ext cx="595746" cy="595746"/>
-          </a:xfrm>
-          <a:prstGeom prst="ellipse">
-            <a:avLst/>
-          </a:prstGeom>
-          <a:noFill/>
-          <a:ln w="12700">
-            <a:solidFill>
+              <a:tailEnd type="triangle"/>
+            </a:ln>
+          </p:spPr>
+          <p:style>
+            <a:lnRef idx="1">
+              <a:schemeClr val="accent1"/>
+            </a:lnRef>
+            <a:fillRef idx="0">
+              <a:schemeClr val="accent1"/>
+            </a:fillRef>
+            <a:effectRef idx="0">
+              <a:schemeClr val="accent1"/>
+            </a:effectRef>
+            <a:fontRef idx="minor">
               <a:schemeClr val="tx1"/>
-            </a:solidFill>
-          </a:ln>
-        </p:spPr>
-        <p:style>
-          <a:lnRef idx="2">
-            <a:schemeClr val="accent1">
-              <a:shade val="50000"/>
-            </a:schemeClr>
-          </a:lnRef>
-          <a:fillRef idx="1">
-            <a:schemeClr val="accent1"/>
-          </a:fillRef>
-          <a:effectRef idx="0">
-            <a:schemeClr val="accent1"/>
-          </a:effectRef>
-          <a:fontRef idx="minor">
-            <a:schemeClr val="lt1"/>
-          </a:fontRef>
-        </p:style>
-        <p:txBody>
-          <a:bodyPr rtlCol="0" anchor="ctr"/>
-          <a:lstStyle/>
-          <a:p>
-            <a:pPr algn="ctr"/>
-            <a:r>
-              <a:rPr lang="en-US" altLang="zh-CN" sz="1600" dirty="0">
-                <a:solidFill>
-                  <a:schemeClr val="tx1"/>
-                </a:solidFill>
+            </a:fontRef>
+          </p:style>
+        </p:cxnSp>
+        <p:cxnSp>
+          <p:nvCxnSpPr>
+            <p:cNvPr id="18" name="直接箭头连接符 17"/>
+            <p:cNvCxnSpPr>
+              <a:stCxn id="4" idx="6"/>
+              <a:endCxn id="9" idx="2"/>
+            </p:cNvCxnSpPr>
+            <p:nvPr/>
+          </p:nvCxnSpPr>
+          <p:spPr>
+            <a:xfrm>
+              <a:off x="3779980" y="2503055"/>
+              <a:ext cx="1295957" cy="1436902"/>
+            </a:xfrm>
+            <a:prstGeom prst="straightConnector1">
+              <a:avLst/>
+            </a:prstGeom>
+            <a:ln w="12700">
+              <a:solidFill>
+                <a:schemeClr val="tx1"/>
+              </a:solidFill>
+              <a:tailEnd type="triangle"/>
+            </a:ln>
+          </p:spPr>
+          <p:style>
+            <a:lnRef idx="1">
+              <a:schemeClr val="accent1"/>
+            </a:lnRef>
+            <a:fillRef idx="0">
+              <a:schemeClr val="accent1"/>
+            </a:fillRef>
+            <a:effectRef idx="0">
+              <a:schemeClr val="accent1"/>
+            </a:effectRef>
+            <a:fontRef idx="minor">
+              <a:schemeClr val="tx1"/>
+            </a:fontRef>
+          </p:style>
+        </p:cxnSp>
+        <p:cxnSp>
+          <p:nvCxnSpPr>
+            <p:cNvPr id="20" name="直接箭头连接符 19"/>
+            <p:cNvCxnSpPr>
+              <a:stCxn id="4" idx="6"/>
+              <a:endCxn id="10" idx="2"/>
+            </p:cNvCxnSpPr>
+            <p:nvPr/>
+          </p:nvCxnSpPr>
+          <p:spPr>
+            <a:xfrm>
+              <a:off x="3779980" y="2503055"/>
+              <a:ext cx="1295957" cy="2358229"/>
+            </a:xfrm>
+            <a:prstGeom prst="straightConnector1">
+              <a:avLst/>
+            </a:prstGeom>
+            <a:ln w="12700">
+              <a:solidFill>
+                <a:schemeClr val="tx1"/>
+              </a:solidFill>
+              <a:tailEnd type="triangle"/>
+            </a:ln>
+          </p:spPr>
+          <p:style>
+            <a:lnRef idx="1">
+              <a:schemeClr val="accent1"/>
+            </a:lnRef>
+            <a:fillRef idx="0">
+              <a:schemeClr val="accent1"/>
+            </a:fillRef>
+            <a:effectRef idx="0">
+              <a:schemeClr val="accent1"/>
+            </a:effectRef>
+            <a:fontRef idx="minor">
+              <a:schemeClr val="tx1"/>
+            </a:fontRef>
+          </p:style>
+        </p:cxnSp>
+        <p:cxnSp>
+          <p:nvCxnSpPr>
+            <p:cNvPr id="22" name="直接箭头连接符 21"/>
+            <p:cNvCxnSpPr>
+              <a:stCxn id="5" idx="6"/>
+              <a:endCxn id="8" idx="2"/>
+            </p:cNvCxnSpPr>
+            <p:nvPr/>
+          </p:nvCxnSpPr>
+          <p:spPr>
+            <a:xfrm flipV="1">
+              <a:off x="3779980" y="3018629"/>
+              <a:ext cx="1295957" cy="429614"/>
+            </a:xfrm>
+            <a:prstGeom prst="straightConnector1">
+              <a:avLst/>
+            </a:prstGeom>
+            <a:ln w="12700">
+              <a:solidFill>
+                <a:schemeClr val="tx1"/>
+              </a:solidFill>
+              <a:tailEnd type="triangle"/>
+            </a:ln>
+          </p:spPr>
+          <p:style>
+            <a:lnRef idx="1">
+              <a:schemeClr val="accent1"/>
+            </a:lnRef>
+            <a:fillRef idx="0">
+              <a:schemeClr val="accent1"/>
+            </a:fillRef>
+            <a:effectRef idx="0">
+              <a:schemeClr val="accent1"/>
+            </a:effectRef>
+            <a:fontRef idx="minor">
+              <a:schemeClr val="tx1"/>
+            </a:fontRef>
+          </p:style>
+        </p:cxnSp>
+        <p:cxnSp>
+          <p:nvCxnSpPr>
+            <p:cNvPr id="24" name="直接箭头连接符 23"/>
+            <p:cNvCxnSpPr>
+              <a:stCxn id="5" idx="6"/>
+              <a:endCxn id="9" idx="2"/>
+            </p:cNvCxnSpPr>
+            <p:nvPr/>
+          </p:nvCxnSpPr>
+          <p:spPr>
+            <a:xfrm>
+              <a:off x="3779980" y="3448243"/>
+              <a:ext cx="1295957" cy="491714"/>
+            </a:xfrm>
+            <a:prstGeom prst="straightConnector1">
+              <a:avLst/>
+            </a:prstGeom>
+            <a:ln w="12700">
+              <a:solidFill>
+                <a:schemeClr val="tx1"/>
+              </a:solidFill>
+              <a:tailEnd type="triangle"/>
+            </a:ln>
+          </p:spPr>
+          <p:style>
+            <a:lnRef idx="1">
+              <a:schemeClr val="accent1"/>
+            </a:lnRef>
+            <a:fillRef idx="0">
+              <a:schemeClr val="accent1"/>
+            </a:fillRef>
+            <a:effectRef idx="0">
+              <a:schemeClr val="accent1"/>
+            </a:effectRef>
+            <a:fontRef idx="minor">
+              <a:schemeClr val="tx1"/>
+            </a:fontRef>
+          </p:style>
+        </p:cxnSp>
+        <p:cxnSp>
+          <p:nvCxnSpPr>
+            <p:cNvPr id="26" name="直接箭头连接符 25"/>
+            <p:cNvCxnSpPr>
+              <a:stCxn id="5" idx="6"/>
+              <a:endCxn id="10" idx="2"/>
+            </p:cNvCxnSpPr>
+            <p:nvPr/>
+          </p:nvCxnSpPr>
+          <p:spPr>
+            <a:xfrm>
+              <a:off x="3779980" y="3448243"/>
+              <a:ext cx="1295957" cy="1413041"/>
+            </a:xfrm>
+            <a:prstGeom prst="straightConnector1">
+              <a:avLst/>
+            </a:prstGeom>
+            <a:ln w="12700">
+              <a:solidFill>
+                <a:schemeClr val="tx1"/>
+              </a:solidFill>
+              <a:tailEnd type="triangle"/>
+            </a:ln>
+          </p:spPr>
+          <p:style>
+            <a:lnRef idx="1">
+              <a:schemeClr val="accent1"/>
+            </a:lnRef>
+            <a:fillRef idx="0">
+              <a:schemeClr val="accent1"/>
+            </a:fillRef>
+            <a:effectRef idx="0">
+              <a:schemeClr val="accent1"/>
+            </a:effectRef>
+            <a:fontRef idx="minor">
+              <a:schemeClr val="tx1"/>
+            </a:fontRef>
+          </p:style>
+        </p:cxnSp>
+        <p:cxnSp>
+          <p:nvCxnSpPr>
+            <p:cNvPr id="28" name="直接箭头连接符 27"/>
+            <p:cNvCxnSpPr>
+              <a:stCxn id="6" idx="6"/>
+              <a:endCxn id="8" idx="2"/>
+            </p:cNvCxnSpPr>
+            <p:nvPr/>
+          </p:nvCxnSpPr>
+          <p:spPr>
+            <a:xfrm flipV="1">
+              <a:off x="3779980" y="3018629"/>
+              <a:ext cx="1295957" cy="1374802"/>
+            </a:xfrm>
+            <a:prstGeom prst="straightConnector1">
+              <a:avLst/>
+            </a:prstGeom>
+            <a:ln w="12700">
+              <a:solidFill>
+                <a:schemeClr val="tx1"/>
+              </a:solidFill>
+              <a:tailEnd type="triangle"/>
+            </a:ln>
+          </p:spPr>
+          <p:style>
+            <a:lnRef idx="1">
+              <a:schemeClr val="accent1"/>
+            </a:lnRef>
+            <a:fillRef idx="0">
+              <a:schemeClr val="accent1"/>
+            </a:fillRef>
+            <a:effectRef idx="0">
+              <a:schemeClr val="accent1"/>
+            </a:effectRef>
+            <a:fontRef idx="minor">
+              <a:schemeClr val="tx1"/>
+            </a:fontRef>
+          </p:style>
+        </p:cxnSp>
+        <p:cxnSp>
+          <p:nvCxnSpPr>
+            <p:cNvPr id="30" name="直接箭头连接符 29"/>
+            <p:cNvCxnSpPr>
+              <a:stCxn id="6" idx="6"/>
+              <a:endCxn id="9" idx="2"/>
+            </p:cNvCxnSpPr>
+            <p:nvPr/>
+          </p:nvCxnSpPr>
+          <p:spPr>
+            <a:xfrm flipV="1">
+              <a:off x="3779980" y="3939957"/>
+              <a:ext cx="1295957" cy="453474"/>
+            </a:xfrm>
+            <a:prstGeom prst="straightConnector1">
+              <a:avLst/>
+            </a:prstGeom>
+            <a:ln w="12700">
+              <a:solidFill>
+                <a:schemeClr val="tx1"/>
+              </a:solidFill>
+              <a:tailEnd type="triangle"/>
+            </a:ln>
+          </p:spPr>
+          <p:style>
+            <a:lnRef idx="1">
+              <a:schemeClr val="accent1"/>
+            </a:lnRef>
+            <a:fillRef idx="0">
+              <a:schemeClr val="accent1"/>
+            </a:fillRef>
+            <a:effectRef idx="0">
+              <a:schemeClr val="accent1"/>
+            </a:effectRef>
+            <a:fontRef idx="minor">
+              <a:schemeClr val="tx1"/>
+            </a:fontRef>
+          </p:style>
+        </p:cxnSp>
+        <p:cxnSp>
+          <p:nvCxnSpPr>
+            <p:cNvPr id="32" name="直接箭头连接符 31"/>
+            <p:cNvCxnSpPr>
+              <a:stCxn id="6" idx="6"/>
+              <a:endCxn id="10" idx="2"/>
+            </p:cNvCxnSpPr>
+            <p:nvPr/>
+          </p:nvCxnSpPr>
+          <p:spPr>
+            <a:xfrm>
+              <a:off x="3779980" y="4393431"/>
+              <a:ext cx="1295957" cy="467853"/>
+            </a:xfrm>
+            <a:prstGeom prst="straightConnector1">
+              <a:avLst/>
+            </a:prstGeom>
+            <a:ln w="12700">
+              <a:solidFill>
+                <a:schemeClr val="tx1"/>
+              </a:solidFill>
+              <a:tailEnd type="triangle"/>
+            </a:ln>
+          </p:spPr>
+          <p:style>
+            <a:lnRef idx="1">
+              <a:schemeClr val="accent1"/>
+            </a:lnRef>
+            <a:fillRef idx="0">
+              <a:schemeClr val="accent1"/>
+            </a:fillRef>
+            <a:effectRef idx="0">
+              <a:schemeClr val="accent1"/>
+            </a:effectRef>
+            <a:fontRef idx="minor">
+              <a:schemeClr val="tx1"/>
+            </a:fontRef>
+          </p:style>
+        </p:cxnSp>
+        <p:cxnSp>
+          <p:nvCxnSpPr>
+            <p:cNvPr id="34" name="直接箭头连接符 33"/>
+            <p:cNvCxnSpPr>
+              <a:stCxn id="7" idx="6"/>
+              <a:endCxn id="8" idx="2"/>
+            </p:cNvCxnSpPr>
+            <p:nvPr/>
+          </p:nvCxnSpPr>
+          <p:spPr>
+            <a:xfrm flipV="1">
+              <a:off x="3779980" y="3018629"/>
+              <a:ext cx="1295957" cy="2319990"/>
+            </a:xfrm>
+            <a:prstGeom prst="straightConnector1">
+              <a:avLst/>
+            </a:prstGeom>
+            <a:ln w="12700">
+              <a:solidFill>
+                <a:schemeClr val="tx1"/>
+              </a:solidFill>
+              <a:tailEnd type="triangle"/>
+            </a:ln>
+          </p:spPr>
+          <p:style>
+            <a:lnRef idx="1">
+              <a:schemeClr val="accent1"/>
+            </a:lnRef>
+            <a:fillRef idx="0">
+              <a:schemeClr val="accent1"/>
+            </a:fillRef>
+            <a:effectRef idx="0">
+              <a:schemeClr val="accent1"/>
+            </a:effectRef>
+            <a:fontRef idx="minor">
+              <a:schemeClr val="tx1"/>
+            </a:fontRef>
+          </p:style>
+        </p:cxnSp>
+        <p:cxnSp>
+          <p:nvCxnSpPr>
+            <p:cNvPr id="36" name="直接箭头连接符 35"/>
+            <p:cNvCxnSpPr>
+              <a:stCxn id="7" idx="6"/>
+              <a:endCxn id="9" idx="2"/>
+            </p:cNvCxnSpPr>
+            <p:nvPr/>
+          </p:nvCxnSpPr>
+          <p:spPr>
+            <a:xfrm flipV="1">
+              <a:off x="3779980" y="3939957"/>
+              <a:ext cx="1295957" cy="1398662"/>
+            </a:xfrm>
+            <a:prstGeom prst="straightConnector1">
+              <a:avLst/>
+            </a:prstGeom>
+            <a:ln w="12700">
+              <a:solidFill>
+                <a:schemeClr val="tx1"/>
+              </a:solidFill>
+              <a:tailEnd type="triangle"/>
+            </a:ln>
+          </p:spPr>
+          <p:style>
+            <a:lnRef idx="1">
+              <a:schemeClr val="accent1"/>
+            </a:lnRef>
+            <a:fillRef idx="0">
+              <a:schemeClr val="accent1"/>
+            </a:fillRef>
+            <a:effectRef idx="0">
+              <a:schemeClr val="accent1"/>
+            </a:effectRef>
+            <a:fontRef idx="minor">
+              <a:schemeClr val="tx1"/>
+            </a:fontRef>
+          </p:style>
+        </p:cxnSp>
+        <p:cxnSp>
+          <p:nvCxnSpPr>
+            <p:cNvPr id="38" name="直接箭头连接符 37"/>
+            <p:cNvCxnSpPr>
+              <a:stCxn id="7" idx="6"/>
+              <a:endCxn id="10" idx="2"/>
+            </p:cNvCxnSpPr>
+            <p:nvPr/>
+          </p:nvCxnSpPr>
+          <p:spPr>
+            <a:xfrm flipV="1">
+              <a:off x="3779980" y="4861284"/>
+              <a:ext cx="1295957" cy="477335"/>
+            </a:xfrm>
+            <a:prstGeom prst="straightConnector1">
+              <a:avLst/>
+            </a:prstGeom>
+            <a:ln w="12700">
+              <a:solidFill>
+                <a:schemeClr val="tx1"/>
+              </a:solidFill>
+              <a:tailEnd type="triangle"/>
+            </a:ln>
+          </p:spPr>
+          <p:style>
+            <a:lnRef idx="1">
+              <a:schemeClr val="accent1"/>
+            </a:lnRef>
+            <a:fillRef idx="0">
+              <a:schemeClr val="accent1"/>
+            </a:fillRef>
+            <a:effectRef idx="0">
+              <a:schemeClr val="accent1"/>
+            </a:effectRef>
+            <a:fontRef idx="minor">
+              <a:schemeClr val="tx1"/>
+            </a:fontRef>
+          </p:style>
+        </p:cxnSp>
+        <p:cxnSp>
+          <p:nvCxnSpPr>
+            <p:cNvPr id="40" name="直接箭头连接符 39"/>
+            <p:cNvCxnSpPr>
+              <a:stCxn id="8" idx="6"/>
+              <a:endCxn id="11" idx="2"/>
+            </p:cNvCxnSpPr>
+            <p:nvPr/>
+          </p:nvCxnSpPr>
+          <p:spPr>
+            <a:xfrm>
+              <a:off x="5870264" y="3018629"/>
+              <a:ext cx="1295957" cy="525056"/>
+            </a:xfrm>
+            <a:prstGeom prst="straightConnector1">
+              <a:avLst/>
+            </a:prstGeom>
+            <a:ln w="12700">
+              <a:solidFill>
+                <a:schemeClr val="tx1"/>
+              </a:solidFill>
+              <a:tailEnd type="triangle"/>
+            </a:ln>
+          </p:spPr>
+          <p:style>
+            <a:lnRef idx="1">
+              <a:schemeClr val="accent1"/>
+            </a:lnRef>
+            <a:fillRef idx="0">
+              <a:schemeClr val="accent1"/>
+            </a:fillRef>
+            <a:effectRef idx="0">
+              <a:schemeClr val="accent1"/>
+            </a:effectRef>
+            <a:fontRef idx="minor">
+              <a:schemeClr val="tx1"/>
+            </a:fontRef>
+          </p:style>
+        </p:cxnSp>
+        <p:cxnSp>
+          <p:nvCxnSpPr>
+            <p:cNvPr id="42" name="直接箭头连接符 41"/>
+            <p:cNvCxnSpPr>
+              <a:stCxn id="8" idx="6"/>
+              <a:endCxn id="12" idx="2"/>
+            </p:cNvCxnSpPr>
+            <p:nvPr/>
+          </p:nvCxnSpPr>
+          <p:spPr>
+            <a:xfrm>
+              <a:off x="5870264" y="3018629"/>
+              <a:ext cx="1295957" cy="1374802"/>
+            </a:xfrm>
+            <a:prstGeom prst="straightConnector1">
+              <a:avLst/>
+            </a:prstGeom>
+            <a:ln w="12700">
+              <a:solidFill>
+                <a:schemeClr val="tx1"/>
+              </a:solidFill>
+              <a:tailEnd type="triangle"/>
+            </a:ln>
+          </p:spPr>
+          <p:style>
+            <a:lnRef idx="1">
+              <a:schemeClr val="accent1"/>
+            </a:lnRef>
+            <a:fillRef idx="0">
+              <a:schemeClr val="accent1"/>
+            </a:fillRef>
+            <a:effectRef idx="0">
+              <a:schemeClr val="accent1"/>
+            </a:effectRef>
+            <a:fontRef idx="minor">
+              <a:schemeClr val="tx1"/>
+            </a:fontRef>
+          </p:style>
+        </p:cxnSp>
+        <p:cxnSp>
+          <p:nvCxnSpPr>
+            <p:cNvPr id="44" name="直接箭头连接符 43"/>
+            <p:cNvCxnSpPr>
+              <a:stCxn id="9" idx="6"/>
+              <a:endCxn id="11" idx="2"/>
+            </p:cNvCxnSpPr>
+            <p:nvPr/>
+          </p:nvCxnSpPr>
+          <p:spPr>
+            <a:xfrm flipV="1">
+              <a:off x="5870264" y="3543685"/>
+              <a:ext cx="1295957" cy="396272"/>
+            </a:xfrm>
+            <a:prstGeom prst="straightConnector1">
+              <a:avLst/>
+            </a:prstGeom>
+            <a:ln w="12700">
+              <a:solidFill>
+                <a:schemeClr val="tx1"/>
+              </a:solidFill>
+              <a:tailEnd type="triangle"/>
+            </a:ln>
+          </p:spPr>
+          <p:style>
+            <a:lnRef idx="1">
+              <a:schemeClr val="accent1"/>
+            </a:lnRef>
+            <a:fillRef idx="0">
+              <a:schemeClr val="accent1"/>
+            </a:fillRef>
+            <a:effectRef idx="0">
+              <a:schemeClr val="accent1"/>
+            </a:effectRef>
+            <a:fontRef idx="minor">
+              <a:schemeClr val="tx1"/>
+            </a:fontRef>
+          </p:style>
+        </p:cxnSp>
+        <p:cxnSp>
+          <p:nvCxnSpPr>
+            <p:cNvPr id="46" name="直接箭头连接符 45"/>
+            <p:cNvCxnSpPr>
+              <a:stCxn id="9" idx="6"/>
+              <a:endCxn id="12" idx="2"/>
+            </p:cNvCxnSpPr>
+            <p:nvPr/>
+          </p:nvCxnSpPr>
+          <p:spPr>
+            <a:xfrm>
+              <a:off x="5870264" y="3939957"/>
+              <a:ext cx="1295957" cy="453474"/>
+            </a:xfrm>
+            <a:prstGeom prst="straightConnector1">
+              <a:avLst/>
+            </a:prstGeom>
+            <a:ln w="12700">
+              <a:solidFill>
+                <a:schemeClr val="tx1"/>
+              </a:solidFill>
+              <a:tailEnd type="triangle"/>
+            </a:ln>
+          </p:spPr>
+          <p:style>
+            <a:lnRef idx="1">
+              <a:schemeClr val="accent1"/>
+            </a:lnRef>
+            <a:fillRef idx="0">
+              <a:schemeClr val="accent1"/>
+            </a:fillRef>
+            <a:effectRef idx="0">
+              <a:schemeClr val="accent1"/>
+            </a:effectRef>
+            <a:fontRef idx="minor">
+              <a:schemeClr val="tx1"/>
+            </a:fontRef>
+          </p:style>
+        </p:cxnSp>
+        <p:cxnSp>
+          <p:nvCxnSpPr>
+            <p:cNvPr id="48" name="直接箭头连接符 47"/>
+            <p:cNvCxnSpPr>
+              <a:stCxn id="10" idx="6"/>
+              <a:endCxn id="11" idx="2"/>
+            </p:cNvCxnSpPr>
+            <p:nvPr/>
+          </p:nvCxnSpPr>
+          <p:spPr>
+            <a:xfrm flipV="1">
+              <a:off x="5870264" y="3543685"/>
+              <a:ext cx="1295957" cy="1317599"/>
+            </a:xfrm>
+            <a:prstGeom prst="straightConnector1">
+              <a:avLst/>
+            </a:prstGeom>
+            <a:ln w="12700">
+              <a:solidFill>
+                <a:schemeClr val="tx1"/>
+              </a:solidFill>
+              <a:tailEnd type="triangle"/>
+            </a:ln>
+          </p:spPr>
+          <p:style>
+            <a:lnRef idx="1">
+              <a:schemeClr val="accent1"/>
+            </a:lnRef>
+            <a:fillRef idx="0">
+              <a:schemeClr val="accent1"/>
+            </a:fillRef>
+            <a:effectRef idx="0">
+              <a:schemeClr val="accent1"/>
+            </a:effectRef>
+            <a:fontRef idx="minor">
+              <a:schemeClr val="tx1"/>
+            </a:fontRef>
+          </p:style>
+        </p:cxnSp>
+        <p:cxnSp>
+          <p:nvCxnSpPr>
+            <p:cNvPr id="50" name="直接箭头连接符 49"/>
+            <p:cNvCxnSpPr>
+              <a:stCxn id="10" idx="6"/>
+              <a:endCxn id="12" idx="2"/>
+            </p:cNvCxnSpPr>
+            <p:nvPr/>
+          </p:nvCxnSpPr>
+          <p:spPr>
+            <a:xfrm flipV="1">
+              <a:off x="5870264" y="4393431"/>
+              <a:ext cx="1295957" cy="467853"/>
+            </a:xfrm>
+            <a:prstGeom prst="straightConnector1">
+              <a:avLst/>
+            </a:prstGeom>
+            <a:ln w="12700">
+              <a:solidFill>
+                <a:schemeClr val="tx1"/>
+              </a:solidFill>
+              <a:tailEnd type="triangle"/>
+            </a:ln>
+          </p:spPr>
+          <p:style>
+            <a:lnRef idx="1">
+              <a:schemeClr val="accent1"/>
+            </a:lnRef>
+            <a:fillRef idx="0">
+              <a:schemeClr val="accent1"/>
+            </a:fillRef>
+            <a:effectRef idx="0">
+              <a:schemeClr val="accent1"/>
+            </a:effectRef>
+            <a:fontRef idx="minor">
+              <a:schemeClr val="tx1"/>
+            </a:fontRef>
+          </p:style>
+        </p:cxnSp>
+        <p:cxnSp>
+          <p:nvCxnSpPr>
+            <p:cNvPr id="52" name="直接箭头连接符 51"/>
+            <p:cNvCxnSpPr>
+              <a:stCxn id="13" idx="5"/>
+              <a:endCxn id="8" idx="2"/>
+            </p:cNvCxnSpPr>
+            <p:nvPr/>
+          </p:nvCxnSpPr>
+          <p:spPr>
+            <a:xfrm>
+              <a:off x="4794406" y="1789585"/>
+              <a:ext cx="281531" cy="1229044"/>
+            </a:xfrm>
+            <a:prstGeom prst="straightConnector1">
+              <a:avLst/>
+            </a:prstGeom>
+            <a:ln w="12700">
+              <a:solidFill>
+                <a:schemeClr val="tx1"/>
+              </a:solidFill>
+              <a:tailEnd type="triangle"/>
+            </a:ln>
+          </p:spPr>
+          <p:style>
+            <a:lnRef idx="1">
+              <a:schemeClr val="accent1"/>
+            </a:lnRef>
+            <a:fillRef idx="0">
+              <a:schemeClr val="accent1"/>
+            </a:fillRef>
+            <a:effectRef idx="0">
+              <a:schemeClr val="accent1"/>
+            </a:effectRef>
+            <a:fontRef idx="minor">
+              <a:schemeClr val="tx1"/>
+            </a:fontRef>
+          </p:style>
+        </p:cxnSp>
+        <p:cxnSp>
+          <p:nvCxnSpPr>
+            <p:cNvPr id="54" name="直接箭头连接符 53"/>
+            <p:cNvCxnSpPr>
+              <a:stCxn id="13" idx="5"/>
+              <a:endCxn id="9" idx="2"/>
+            </p:cNvCxnSpPr>
+            <p:nvPr/>
+          </p:nvCxnSpPr>
+          <p:spPr>
+            <a:xfrm>
+              <a:off x="4794406" y="1789585"/>
+              <a:ext cx="281531" cy="2150372"/>
+            </a:xfrm>
+            <a:prstGeom prst="straightConnector1">
+              <a:avLst/>
+            </a:prstGeom>
+            <a:ln w="12700">
+              <a:solidFill>
+                <a:schemeClr val="tx1"/>
+              </a:solidFill>
+              <a:tailEnd type="triangle"/>
+            </a:ln>
+          </p:spPr>
+          <p:style>
+            <a:lnRef idx="1">
+              <a:schemeClr val="accent1"/>
+            </a:lnRef>
+            <a:fillRef idx="0">
+              <a:schemeClr val="accent1"/>
+            </a:fillRef>
+            <a:effectRef idx="0">
+              <a:schemeClr val="accent1"/>
+            </a:effectRef>
+            <a:fontRef idx="minor">
+              <a:schemeClr val="tx1"/>
+            </a:fontRef>
+          </p:style>
+        </p:cxnSp>
+        <p:cxnSp>
+          <p:nvCxnSpPr>
+            <p:cNvPr id="56" name="直接箭头连接符 55"/>
+            <p:cNvCxnSpPr>
+              <a:stCxn id="13" idx="5"/>
+              <a:endCxn id="10" idx="2"/>
+            </p:cNvCxnSpPr>
+            <p:nvPr/>
+          </p:nvCxnSpPr>
+          <p:spPr>
+            <a:xfrm>
+              <a:off x="4794406" y="1789585"/>
+              <a:ext cx="281531" cy="3071699"/>
+            </a:xfrm>
+            <a:prstGeom prst="straightConnector1">
+              <a:avLst/>
+            </a:prstGeom>
+            <a:ln w="12700">
+              <a:solidFill>
+                <a:schemeClr val="tx1"/>
+              </a:solidFill>
+              <a:tailEnd type="triangle"/>
+            </a:ln>
+          </p:spPr>
+          <p:style>
+            <a:lnRef idx="1">
+              <a:schemeClr val="accent1"/>
+            </a:lnRef>
+            <a:fillRef idx="0">
+              <a:schemeClr val="accent1"/>
+            </a:fillRef>
+            <a:effectRef idx="0">
+              <a:schemeClr val="accent1"/>
+            </a:effectRef>
+            <a:fontRef idx="minor">
+              <a:schemeClr val="tx1"/>
+            </a:fontRef>
+          </p:style>
+        </p:cxnSp>
+        <p:cxnSp>
+          <p:nvCxnSpPr>
+            <p:cNvPr id="58" name="直接箭头连接符 57"/>
+            <p:cNvCxnSpPr>
+              <a:stCxn id="14" idx="5"/>
+              <a:endCxn id="11" idx="2"/>
+            </p:cNvCxnSpPr>
+            <p:nvPr/>
+          </p:nvCxnSpPr>
+          <p:spPr>
+            <a:xfrm>
+              <a:off x="6962411" y="2482497"/>
+              <a:ext cx="203810" cy="1061188"/>
+            </a:xfrm>
+            <a:prstGeom prst="straightConnector1">
+              <a:avLst/>
+            </a:prstGeom>
+            <a:ln w="12700">
+              <a:solidFill>
+                <a:schemeClr val="tx1"/>
+              </a:solidFill>
+              <a:tailEnd type="triangle"/>
+            </a:ln>
+          </p:spPr>
+          <p:style>
+            <a:lnRef idx="1">
+              <a:schemeClr val="accent1"/>
+            </a:lnRef>
+            <a:fillRef idx="0">
+              <a:schemeClr val="accent1"/>
+            </a:fillRef>
+            <a:effectRef idx="0">
+              <a:schemeClr val="accent1"/>
+            </a:effectRef>
+            <a:fontRef idx="minor">
+              <a:schemeClr val="tx1"/>
+            </a:fontRef>
+          </p:style>
+        </p:cxnSp>
+        <p:cxnSp>
+          <p:nvCxnSpPr>
+            <p:cNvPr id="60" name="直接箭头连接符 59"/>
+            <p:cNvCxnSpPr>
+              <a:stCxn id="14" idx="5"/>
+              <a:endCxn id="12" idx="2"/>
+            </p:cNvCxnSpPr>
+            <p:nvPr/>
+          </p:nvCxnSpPr>
+          <p:spPr>
+            <a:xfrm>
+              <a:off x="6962411" y="2482497"/>
+              <a:ext cx="203810" cy="1910934"/>
+            </a:xfrm>
+            <a:prstGeom prst="straightConnector1">
+              <a:avLst/>
+            </a:prstGeom>
+            <a:ln w="12700">
+              <a:solidFill>
+                <a:schemeClr val="tx1"/>
+              </a:solidFill>
+              <a:tailEnd type="triangle"/>
+            </a:ln>
+          </p:spPr>
+          <p:style>
+            <a:lnRef idx="1">
+              <a:schemeClr val="accent1"/>
+            </a:lnRef>
+            <a:fillRef idx="0">
+              <a:schemeClr val="accent1"/>
+            </a:fillRef>
+            <a:effectRef idx="0">
+              <a:schemeClr val="accent1"/>
+            </a:effectRef>
+            <a:fontRef idx="minor">
+              <a:schemeClr val="tx1"/>
+            </a:fontRef>
+          </p:style>
+        </p:cxnSp>
+        <p:sp>
+          <p:nvSpPr>
+            <p:cNvPr id="63" name="文本框 62"/>
+            <p:cNvSpPr txBox="1"/>
+            <p:nvPr/>
+          </p:nvSpPr>
+          <p:spPr>
+            <a:xfrm>
+              <a:off x="2904960" y="5720112"/>
+              <a:ext cx="955711" cy="461665"/>
+            </a:xfrm>
+            <a:prstGeom prst="rect">
+              <a:avLst/>
+            </a:prstGeom>
+            <a:noFill/>
+          </p:spPr>
+          <p:txBody>
+            <a:bodyPr wrap="none" rtlCol="0">
+              <a:spAutoFit/>
+            </a:bodyPr>
+            <a:lstStyle/>
+            <a:p>
+              <a:pPr algn="ctr"/>
+              <a:r>
+                <a:rPr lang="en-US" altLang="zh-CN" sz="2400" b="1" i="1" dirty="0" smtClean="0">
+                  <a:latin typeface="Times New Roman" panose="02020603050405020304" pitchFamily="18" charset="0"/>
+                  <a:cs typeface="Times New Roman" panose="02020603050405020304" pitchFamily="18" charset="0"/>
+                </a:rPr>
+                <a:t>x</a:t>
+              </a:r>
+              <a:r>
+                <a:rPr lang="en-US" altLang="zh-CN" sz="2400" b="1" dirty="0">
+                  <a:latin typeface="Times New Roman" panose="02020603050405020304" pitchFamily="18" charset="0"/>
+                  <a:cs typeface="Times New Roman" panose="02020603050405020304" pitchFamily="18" charset="0"/>
+                </a:rPr>
+                <a:t>[</a:t>
+              </a:r>
+              <a:r>
+                <a:rPr lang="en-US" altLang="zh-CN" sz="2400" b="1" i="1" dirty="0" smtClean="0">
+                  <a:latin typeface="Times New Roman" panose="02020603050405020304" pitchFamily="18" charset="0"/>
+                  <a:cs typeface="Times New Roman" panose="02020603050405020304" pitchFamily="18" charset="0"/>
+                </a:rPr>
+                <a:t>h</a:t>
+              </a:r>
+              <a:r>
+                <a:rPr lang="en-US" altLang="zh-CN" sz="2400" b="1" baseline="30000" dirty="0" smtClean="0">
+                  <a:latin typeface="Times New Roman" panose="02020603050405020304" pitchFamily="18" charset="0"/>
+                  <a:cs typeface="Times New Roman" panose="02020603050405020304" pitchFamily="18" charset="0"/>
+                </a:rPr>
+                <a:t>(1)</a:t>
+              </a:r>
+              <a:r>
+                <a:rPr lang="en-US" altLang="zh-CN" sz="2400" b="1" dirty="0">
+                  <a:latin typeface="Times New Roman" panose="02020603050405020304" pitchFamily="18" charset="0"/>
+                  <a:cs typeface="Times New Roman" panose="02020603050405020304" pitchFamily="18" charset="0"/>
+                </a:rPr>
+                <a:t>]</a:t>
+              </a:r>
+              <a:endParaRPr lang="zh-CN" altLang="en-US" b="1" dirty="0">
                 <a:latin typeface="Times New Roman" panose="02020603050405020304" pitchFamily="18" charset="0"/>
                 <a:cs typeface="Times New Roman" panose="02020603050405020304" pitchFamily="18" charset="0"/>
-              </a:rPr>
-              <a:t>+1</a:t>
-            </a:r>
-            <a:endParaRPr lang="zh-CN" altLang="en-US" sz="1600" dirty="0"/>
-          </a:p>
-        </p:txBody>
-      </p:sp>
-      <p:cxnSp>
-        <p:nvCxnSpPr>
-          <p:cNvPr id="16" name="直接箭头连接符 15"/>
-          <p:cNvCxnSpPr>
-            <a:stCxn id="4" idx="6"/>
-            <a:endCxn id="8" idx="2"/>
-          </p:cNvCxnSpPr>
-          <p:nvPr/>
-        </p:nvCxnSpPr>
-        <p:spPr>
-          <a:xfrm>
-            <a:off x="3779980" y="2503055"/>
-            <a:ext cx="1295957" cy="515574"/>
-          </a:xfrm>
-          <a:prstGeom prst="straightConnector1">
-            <a:avLst/>
-          </a:prstGeom>
-          <a:ln w="12700">
-            <a:solidFill>
-              <a:schemeClr val="tx1"/>
-            </a:solidFill>
-            <a:tailEnd type="triangle"/>
-          </a:ln>
-        </p:spPr>
-        <p:style>
-          <a:lnRef idx="1">
-            <a:schemeClr val="accent1"/>
-          </a:lnRef>
-          <a:fillRef idx="0">
-            <a:schemeClr val="accent1"/>
-          </a:fillRef>
-          <a:effectRef idx="0">
-            <a:schemeClr val="accent1"/>
-          </a:effectRef>
-          <a:fontRef idx="minor">
-            <a:schemeClr val="tx1"/>
-          </a:fontRef>
-        </p:style>
-      </p:cxnSp>
-      <p:cxnSp>
-        <p:nvCxnSpPr>
-          <p:cNvPr id="18" name="直接箭头连接符 17"/>
-          <p:cNvCxnSpPr>
-            <a:stCxn id="4" idx="6"/>
-            <a:endCxn id="9" idx="2"/>
-          </p:cNvCxnSpPr>
-          <p:nvPr/>
-        </p:nvCxnSpPr>
-        <p:spPr>
-          <a:xfrm>
-            <a:off x="3779980" y="2503055"/>
-            <a:ext cx="1295957" cy="1436902"/>
-          </a:xfrm>
-          <a:prstGeom prst="straightConnector1">
-            <a:avLst/>
-          </a:prstGeom>
-          <a:ln w="12700">
-            <a:solidFill>
-              <a:schemeClr val="tx1"/>
-            </a:solidFill>
-            <a:tailEnd type="triangle"/>
-          </a:ln>
-        </p:spPr>
-        <p:style>
-          <a:lnRef idx="1">
-            <a:schemeClr val="accent1"/>
-          </a:lnRef>
-          <a:fillRef idx="0">
-            <a:schemeClr val="accent1"/>
-          </a:fillRef>
-          <a:effectRef idx="0">
-            <a:schemeClr val="accent1"/>
-          </a:effectRef>
-          <a:fontRef idx="minor">
-            <a:schemeClr val="tx1"/>
-          </a:fontRef>
-        </p:style>
-      </p:cxnSp>
-      <p:cxnSp>
-        <p:nvCxnSpPr>
-          <p:cNvPr id="20" name="直接箭头连接符 19"/>
-          <p:cNvCxnSpPr>
-            <a:stCxn id="4" idx="6"/>
-            <a:endCxn id="10" idx="2"/>
-          </p:cNvCxnSpPr>
-          <p:nvPr/>
-        </p:nvCxnSpPr>
-        <p:spPr>
-          <a:xfrm>
-            <a:off x="3779980" y="2503055"/>
-            <a:ext cx="1295957" cy="2358229"/>
-          </a:xfrm>
-          <a:prstGeom prst="straightConnector1">
-            <a:avLst/>
-          </a:prstGeom>
-          <a:ln w="12700">
-            <a:solidFill>
-              <a:schemeClr val="tx1"/>
-            </a:solidFill>
-            <a:tailEnd type="triangle"/>
-          </a:ln>
-        </p:spPr>
-        <p:style>
-          <a:lnRef idx="1">
-            <a:schemeClr val="accent1"/>
-          </a:lnRef>
-          <a:fillRef idx="0">
-            <a:schemeClr val="accent1"/>
-          </a:fillRef>
-          <a:effectRef idx="0">
-            <a:schemeClr val="accent1"/>
-          </a:effectRef>
-          <a:fontRef idx="minor">
-            <a:schemeClr val="tx1"/>
-          </a:fontRef>
-        </p:style>
-      </p:cxnSp>
-      <p:cxnSp>
-        <p:nvCxnSpPr>
-          <p:cNvPr id="22" name="直接箭头连接符 21"/>
-          <p:cNvCxnSpPr>
-            <a:stCxn id="5" idx="6"/>
-            <a:endCxn id="8" idx="2"/>
-          </p:cNvCxnSpPr>
-          <p:nvPr/>
-        </p:nvCxnSpPr>
-        <p:spPr>
-          <a:xfrm flipV="1">
-            <a:off x="3779980" y="3018629"/>
-            <a:ext cx="1295957" cy="429614"/>
-          </a:xfrm>
-          <a:prstGeom prst="straightConnector1">
-            <a:avLst/>
-          </a:prstGeom>
-          <a:ln w="12700">
-            <a:solidFill>
-              <a:schemeClr val="tx1"/>
-            </a:solidFill>
-            <a:tailEnd type="triangle"/>
-          </a:ln>
-        </p:spPr>
-        <p:style>
-          <a:lnRef idx="1">
-            <a:schemeClr val="accent1"/>
-          </a:lnRef>
-          <a:fillRef idx="0">
-            <a:schemeClr val="accent1"/>
-          </a:fillRef>
-          <a:effectRef idx="0">
-            <a:schemeClr val="accent1"/>
-          </a:effectRef>
-          <a:fontRef idx="minor">
-            <a:schemeClr val="tx1"/>
-          </a:fontRef>
-        </p:style>
-      </p:cxnSp>
-      <p:cxnSp>
-        <p:nvCxnSpPr>
-          <p:cNvPr id="24" name="直接箭头连接符 23"/>
-          <p:cNvCxnSpPr>
-            <a:stCxn id="5" idx="6"/>
-            <a:endCxn id="9" idx="2"/>
-          </p:cNvCxnSpPr>
-          <p:nvPr/>
-        </p:nvCxnSpPr>
-        <p:spPr>
-          <a:xfrm>
-            <a:off x="3779980" y="3448243"/>
-            <a:ext cx="1295957" cy="491714"/>
-          </a:xfrm>
-          <a:prstGeom prst="straightConnector1">
-            <a:avLst/>
-          </a:prstGeom>
-          <a:ln w="12700">
-            <a:solidFill>
-              <a:schemeClr val="tx1"/>
-            </a:solidFill>
-            <a:tailEnd type="triangle"/>
-          </a:ln>
-        </p:spPr>
-        <p:style>
-          <a:lnRef idx="1">
-            <a:schemeClr val="accent1"/>
-          </a:lnRef>
-          <a:fillRef idx="0">
-            <a:schemeClr val="accent1"/>
-          </a:fillRef>
-          <a:effectRef idx="0">
-            <a:schemeClr val="accent1"/>
-          </a:effectRef>
-          <a:fontRef idx="minor">
-            <a:schemeClr val="tx1"/>
-          </a:fontRef>
-        </p:style>
-      </p:cxnSp>
-      <p:cxnSp>
-        <p:nvCxnSpPr>
-          <p:cNvPr id="26" name="直接箭头连接符 25"/>
-          <p:cNvCxnSpPr>
-            <a:stCxn id="5" idx="6"/>
-            <a:endCxn id="10" idx="2"/>
-          </p:cNvCxnSpPr>
-          <p:nvPr/>
-        </p:nvCxnSpPr>
-        <p:spPr>
-          <a:xfrm>
-            <a:off x="3779980" y="3448243"/>
-            <a:ext cx="1295957" cy="1413041"/>
-          </a:xfrm>
-          <a:prstGeom prst="straightConnector1">
-            <a:avLst/>
-          </a:prstGeom>
-          <a:ln w="12700">
-            <a:solidFill>
-              <a:schemeClr val="tx1"/>
-            </a:solidFill>
-            <a:tailEnd type="triangle"/>
-          </a:ln>
-        </p:spPr>
-        <p:style>
-          <a:lnRef idx="1">
-            <a:schemeClr val="accent1"/>
-          </a:lnRef>
-          <a:fillRef idx="0">
-            <a:schemeClr val="accent1"/>
-          </a:fillRef>
-          <a:effectRef idx="0">
-            <a:schemeClr val="accent1"/>
-          </a:effectRef>
-          <a:fontRef idx="minor">
-            <a:schemeClr val="tx1"/>
-          </a:fontRef>
-        </p:style>
-      </p:cxnSp>
-      <p:cxnSp>
-        <p:nvCxnSpPr>
-          <p:cNvPr id="28" name="直接箭头连接符 27"/>
-          <p:cNvCxnSpPr>
-            <a:stCxn id="6" idx="6"/>
-            <a:endCxn id="8" idx="2"/>
-          </p:cNvCxnSpPr>
-          <p:nvPr/>
-        </p:nvCxnSpPr>
-        <p:spPr>
-          <a:xfrm flipV="1">
-            <a:off x="3779980" y="3018629"/>
-            <a:ext cx="1295957" cy="1374802"/>
-          </a:xfrm>
-          <a:prstGeom prst="straightConnector1">
-            <a:avLst/>
-          </a:prstGeom>
-          <a:ln w="12700">
-            <a:solidFill>
-              <a:schemeClr val="tx1"/>
-            </a:solidFill>
-            <a:tailEnd type="triangle"/>
-          </a:ln>
-        </p:spPr>
-        <p:style>
-          <a:lnRef idx="1">
-            <a:schemeClr val="accent1"/>
-          </a:lnRef>
-          <a:fillRef idx="0">
-            <a:schemeClr val="accent1"/>
-          </a:fillRef>
-          <a:effectRef idx="0">
-            <a:schemeClr val="accent1"/>
-          </a:effectRef>
-          <a:fontRef idx="minor">
-            <a:schemeClr val="tx1"/>
-          </a:fontRef>
-        </p:style>
-      </p:cxnSp>
-      <p:cxnSp>
-        <p:nvCxnSpPr>
-          <p:cNvPr id="30" name="直接箭头连接符 29"/>
-          <p:cNvCxnSpPr>
-            <a:stCxn id="6" idx="6"/>
-            <a:endCxn id="9" idx="2"/>
-          </p:cNvCxnSpPr>
-          <p:nvPr/>
-        </p:nvCxnSpPr>
-        <p:spPr>
-          <a:xfrm flipV="1">
-            <a:off x="3779980" y="3939957"/>
-            <a:ext cx="1295957" cy="453474"/>
-          </a:xfrm>
-          <a:prstGeom prst="straightConnector1">
-            <a:avLst/>
-          </a:prstGeom>
-          <a:ln w="12700">
-            <a:solidFill>
-              <a:schemeClr val="tx1"/>
-            </a:solidFill>
-            <a:tailEnd type="triangle"/>
-          </a:ln>
-        </p:spPr>
-        <p:style>
-          <a:lnRef idx="1">
-            <a:schemeClr val="accent1"/>
-          </a:lnRef>
-          <a:fillRef idx="0">
-            <a:schemeClr val="accent1"/>
-          </a:fillRef>
-          <a:effectRef idx="0">
-            <a:schemeClr val="accent1"/>
-          </a:effectRef>
-          <a:fontRef idx="minor">
-            <a:schemeClr val="tx1"/>
-          </a:fontRef>
-        </p:style>
-      </p:cxnSp>
-      <p:cxnSp>
-        <p:nvCxnSpPr>
-          <p:cNvPr id="32" name="直接箭头连接符 31"/>
-          <p:cNvCxnSpPr>
-            <a:stCxn id="6" idx="6"/>
-            <a:endCxn id="10" idx="2"/>
-          </p:cNvCxnSpPr>
-          <p:nvPr/>
-        </p:nvCxnSpPr>
-        <p:spPr>
-          <a:xfrm>
-            <a:off x="3779980" y="4393431"/>
-            <a:ext cx="1295957" cy="467853"/>
-          </a:xfrm>
-          <a:prstGeom prst="straightConnector1">
-            <a:avLst/>
-          </a:prstGeom>
-          <a:ln w="12700">
-            <a:solidFill>
-              <a:schemeClr val="tx1"/>
-            </a:solidFill>
-            <a:tailEnd type="triangle"/>
-          </a:ln>
-        </p:spPr>
-        <p:style>
-          <a:lnRef idx="1">
-            <a:schemeClr val="accent1"/>
-          </a:lnRef>
-          <a:fillRef idx="0">
-            <a:schemeClr val="accent1"/>
-          </a:fillRef>
-          <a:effectRef idx="0">
-            <a:schemeClr val="accent1"/>
-          </a:effectRef>
-          <a:fontRef idx="minor">
-            <a:schemeClr val="tx1"/>
-          </a:fontRef>
-        </p:style>
-      </p:cxnSp>
-      <p:cxnSp>
-        <p:nvCxnSpPr>
-          <p:cNvPr id="34" name="直接箭头连接符 33"/>
-          <p:cNvCxnSpPr>
-            <a:stCxn id="7" idx="6"/>
-            <a:endCxn id="8" idx="2"/>
-          </p:cNvCxnSpPr>
-          <p:nvPr/>
-        </p:nvCxnSpPr>
-        <p:spPr>
-          <a:xfrm flipV="1">
-            <a:off x="3779980" y="3018629"/>
-            <a:ext cx="1295957" cy="2319990"/>
-          </a:xfrm>
-          <a:prstGeom prst="straightConnector1">
-            <a:avLst/>
-          </a:prstGeom>
-          <a:ln w="12700">
-            <a:solidFill>
-              <a:schemeClr val="tx1"/>
-            </a:solidFill>
-            <a:tailEnd type="triangle"/>
-          </a:ln>
-        </p:spPr>
-        <p:style>
-          <a:lnRef idx="1">
-            <a:schemeClr val="accent1"/>
-          </a:lnRef>
-          <a:fillRef idx="0">
-            <a:schemeClr val="accent1"/>
-          </a:fillRef>
-          <a:effectRef idx="0">
-            <a:schemeClr val="accent1"/>
-          </a:effectRef>
-          <a:fontRef idx="minor">
-            <a:schemeClr val="tx1"/>
-          </a:fontRef>
-        </p:style>
-      </p:cxnSp>
-      <p:cxnSp>
-        <p:nvCxnSpPr>
-          <p:cNvPr id="36" name="直接箭头连接符 35"/>
-          <p:cNvCxnSpPr>
-            <a:stCxn id="7" idx="6"/>
-            <a:endCxn id="9" idx="2"/>
-          </p:cNvCxnSpPr>
-          <p:nvPr/>
-        </p:nvCxnSpPr>
-        <p:spPr>
-          <a:xfrm flipV="1">
-            <a:off x="3779980" y="3939957"/>
-            <a:ext cx="1295957" cy="1398662"/>
-          </a:xfrm>
-          <a:prstGeom prst="straightConnector1">
-            <a:avLst/>
-          </a:prstGeom>
-          <a:ln w="12700">
-            <a:solidFill>
-              <a:schemeClr val="tx1"/>
-            </a:solidFill>
-            <a:tailEnd type="triangle"/>
-          </a:ln>
-        </p:spPr>
-        <p:style>
-          <a:lnRef idx="1">
-            <a:schemeClr val="accent1"/>
-          </a:lnRef>
-          <a:fillRef idx="0">
-            <a:schemeClr val="accent1"/>
-          </a:fillRef>
-          <a:effectRef idx="0">
-            <a:schemeClr val="accent1"/>
-          </a:effectRef>
-          <a:fontRef idx="minor">
-            <a:schemeClr val="tx1"/>
-          </a:fontRef>
-        </p:style>
-      </p:cxnSp>
-      <p:cxnSp>
-        <p:nvCxnSpPr>
-          <p:cNvPr id="38" name="直接箭头连接符 37"/>
-          <p:cNvCxnSpPr>
-            <a:stCxn id="7" idx="6"/>
-            <a:endCxn id="10" idx="2"/>
-          </p:cNvCxnSpPr>
-          <p:nvPr/>
-        </p:nvCxnSpPr>
-        <p:spPr>
-          <a:xfrm flipV="1">
-            <a:off x="3779980" y="4861284"/>
-            <a:ext cx="1295957" cy="477335"/>
-          </a:xfrm>
-          <a:prstGeom prst="straightConnector1">
-            <a:avLst/>
-          </a:prstGeom>
-          <a:ln w="12700">
-            <a:solidFill>
-              <a:schemeClr val="tx1"/>
-            </a:solidFill>
-            <a:tailEnd type="triangle"/>
-          </a:ln>
-        </p:spPr>
-        <p:style>
-          <a:lnRef idx="1">
-            <a:schemeClr val="accent1"/>
-          </a:lnRef>
-          <a:fillRef idx="0">
-            <a:schemeClr val="accent1"/>
-          </a:fillRef>
-          <a:effectRef idx="0">
-            <a:schemeClr val="accent1"/>
-          </a:effectRef>
-          <a:fontRef idx="minor">
-            <a:schemeClr val="tx1"/>
-          </a:fontRef>
-        </p:style>
-      </p:cxnSp>
-      <p:cxnSp>
-        <p:nvCxnSpPr>
-          <p:cNvPr id="40" name="直接箭头连接符 39"/>
-          <p:cNvCxnSpPr>
-            <a:stCxn id="8" idx="6"/>
-            <a:endCxn id="11" idx="2"/>
-          </p:cNvCxnSpPr>
-          <p:nvPr/>
-        </p:nvCxnSpPr>
-        <p:spPr>
-          <a:xfrm>
-            <a:off x="5870264" y="3018629"/>
-            <a:ext cx="1295957" cy="525056"/>
-          </a:xfrm>
-          <a:prstGeom prst="straightConnector1">
-            <a:avLst/>
-          </a:prstGeom>
-          <a:ln w="12700">
-            <a:solidFill>
-              <a:schemeClr val="tx1"/>
-            </a:solidFill>
-            <a:tailEnd type="triangle"/>
-          </a:ln>
-        </p:spPr>
-        <p:style>
-          <a:lnRef idx="1">
-            <a:schemeClr val="accent1"/>
-          </a:lnRef>
-          <a:fillRef idx="0">
-            <a:schemeClr val="accent1"/>
-          </a:fillRef>
-          <a:effectRef idx="0">
-            <a:schemeClr val="accent1"/>
-          </a:effectRef>
-          <a:fontRef idx="minor">
-            <a:schemeClr val="tx1"/>
-          </a:fontRef>
-        </p:style>
-      </p:cxnSp>
-      <p:cxnSp>
-        <p:nvCxnSpPr>
-          <p:cNvPr id="42" name="直接箭头连接符 41"/>
-          <p:cNvCxnSpPr>
-            <a:stCxn id="8" idx="6"/>
-            <a:endCxn id="12" idx="2"/>
-          </p:cNvCxnSpPr>
-          <p:nvPr/>
-        </p:nvCxnSpPr>
-        <p:spPr>
-          <a:xfrm>
-            <a:off x="5870264" y="3018629"/>
-            <a:ext cx="1295957" cy="1374802"/>
-          </a:xfrm>
-          <a:prstGeom prst="straightConnector1">
-            <a:avLst/>
-          </a:prstGeom>
-          <a:ln w="12700">
-            <a:solidFill>
-              <a:schemeClr val="tx1"/>
-            </a:solidFill>
-            <a:tailEnd type="triangle"/>
-          </a:ln>
-        </p:spPr>
-        <p:style>
-          <a:lnRef idx="1">
-            <a:schemeClr val="accent1"/>
-          </a:lnRef>
-          <a:fillRef idx="0">
-            <a:schemeClr val="accent1"/>
-          </a:fillRef>
-          <a:effectRef idx="0">
-            <a:schemeClr val="accent1"/>
-          </a:effectRef>
-          <a:fontRef idx="minor">
-            <a:schemeClr val="tx1"/>
-          </a:fontRef>
-        </p:style>
-      </p:cxnSp>
-      <p:cxnSp>
-        <p:nvCxnSpPr>
-          <p:cNvPr id="44" name="直接箭头连接符 43"/>
-          <p:cNvCxnSpPr>
-            <a:stCxn id="9" idx="6"/>
-            <a:endCxn id="11" idx="2"/>
-          </p:cNvCxnSpPr>
-          <p:nvPr/>
-        </p:nvCxnSpPr>
-        <p:spPr>
-          <a:xfrm flipV="1">
-            <a:off x="5870264" y="3543685"/>
-            <a:ext cx="1295957" cy="396272"/>
-          </a:xfrm>
-          <a:prstGeom prst="straightConnector1">
-            <a:avLst/>
-          </a:prstGeom>
-          <a:ln w="12700">
-            <a:solidFill>
-              <a:schemeClr val="tx1"/>
-            </a:solidFill>
-            <a:tailEnd type="triangle"/>
-          </a:ln>
-        </p:spPr>
-        <p:style>
-          <a:lnRef idx="1">
-            <a:schemeClr val="accent1"/>
-          </a:lnRef>
-          <a:fillRef idx="0">
-            <a:schemeClr val="accent1"/>
-          </a:fillRef>
-          <a:effectRef idx="0">
-            <a:schemeClr val="accent1"/>
-          </a:effectRef>
-          <a:fontRef idx="minor">
-            <a:schemeClr val="tx1"/>
-          </a:fontRef>
-        </p:style>
-      </p:cxnSp>
-      <p:cxnSp>
-        <p:nvCxnSpPr>
-          <p:cNvPr id="46" name="直接箭头连接符 45"/>
-          <p:cNvCxnSpPr>
-            <a:stCxn id="9" idx="6"/>
-            <a:endCxn id="12" idx="2"/>
-          </p:cNvCxnSpPr>
-          <p:nvPr/>
-        </p:nvCxnSpPr>
-        <p:spPr>
-          <a:xfrm>
-            <a:off x="5870264" y="3939957"/>
-            <a:ext cx="1295957" cy="453474"/>
-          </a:xfrm>
-          <a:prstGeom prst="straightConnector1">
-            <a:avLst/>
-          </a:prstGeom>
-          <a:ln w="12700">
-            <a:solidFill>
-              <a:schemeClr val="tx1"/>
-            </a:solidFill>
-            <a:tailEnd type="triangle"/>
-          </a:ln>
-        </p:spPr>
-        <p:style>
-          <a:lnRef idx="1">
-            <a:schemeClr val="accent1"/>
-          </a:lnRef>
-          <a:fillRef idx="0">
-            <a:schemeClr val="accent1"/>
-          </a:fillRef>
-          <a:effectRef idx="0">
-            <a:schemeClr val="accent1"/>
-          </a:effectRef>
-          <a:fontRef idx="minor">
-            <a:schemeClr val="tx1"/>
-          </a:fontRef>
-        </p:style>
-      </p:cxnSp>
-      <p:cxnSp>
-        <p:nvCxnSpPr>
-          <p:cNvPr id="48" name="直接箭头连接符 47"/>
-          <p:cNvCxnSpPr>
-            <a:stCxn id="10" idx="6"/>
-            <a:endCxn id="11" idx="2"/>
-          </p:cNvCxnSpPr>
-          <p:nvPr/>
-        </p:nvCxnSpPr>
-        <p:spPr>
-          <a:xfrm flipV="1">
-            <a:off x="5870264" y="3543685"/>
-            <a:ext cx="1295957" cy="1317599"/>
-          </a:xfrm>
-          <a:prstGeom prst="straightConnector1">
-            <a:avLst/>
-          </a:prstGeom>
-          <a:ln w="12700">
-            <a:solidFill>
-              <a:schemeClr val="tx1"/>
-            </a:solidFill>
-            <a:tailEnd type="triangle"/>
-          </a:ln>
-        </p:spPr>
-        <p:style>
-          <a:lnRef idx="1">
-            <a:schemeClr val="accent1"/>
-          </a:lnRef>
-          <a:fillRef idx="0">
-            <a:schemeClr val="accent1"/>
-          </a:fillRef>
-          <a:effectRef idx="0">
-            <a:schemeClr val="accent1"/>
-          </a:effectRef>
-          <a:fontRef idx="minor">
-            <a:schemeClr val="tx1"/>
-          </a:fontRef>
-        </p:style>
-      </p:cxnSp>
-      <p:cxnSp>
-        <p:nvCxnSpPr>
-          <p:cNvPr id="50" name="直接箭头连接符 49"/>
-          <p:cNvCxnSpPr>
-            <a:stCxn id="10" idx="6"/>
-            <a:endCxn id="12" idx="2"/>
-          </p:cNvCxnSpPr>
-          <p:nvPr/>
-        </p:nvCxnSpPr>
-        <p:spPr>
-          <a:xfrm flipV="1">
-            <a:off x="5870264" y="4393431"/>
-            <a:ext cx="1295957" cy="467853"/>
-          </a:xfrm>
-          <a:prstGeom prst="straightConnector1">
-            <a:avLst/>
-          </a:prstGeom>
-          <a:ln w="12700">
-            <a:solidFill>
-              <a:schemeClr val="tx1"/>
-            </a:solidFill>
-            <a:tailEnd type="triangle"/>
-          </a:ln>
-        </p:spPr>
-        <p:style>
-          <a:lnRef idx="1">
-            <a:schemeClr val="accent1"/>
-          </a:lnRef>
-          <a:fillRef idx="0">
-            <a:schemeClr val="accent1"/>
-          </a:fillRef>
-          <a:effectRef idx="0">
-            <a:schemeClr val="accent1"/>
-          </a:effectRef>
-          <a:fontRef idx="minor">
-            <a:schemeClr val="tx1"/>
-          </a:fontRef>
-        </p:style>
-      </p:cxnSp>
-      <p:cxnSp>
-        <p:nvCxnSpPr>
-          <p:cNvPr id="52" name="直接箭头连接符 51"/>
-          <p:cNvCxnSpPr>
-            <a:stCxn id="13" idx="5"/>
-            <a:endCxn id="8" idx="2"/>
-          </p:cNvCxnSpPr>
-          <p:nvPr/>
-        </p:nvCxnSpPr>
-        <p:spPr>
-          <a:xfrm>
-            <a:off x="4794406" y="1789585"/>
-            <a:ext cx="281531" cy="1229044"/>
-          </a:xfrm>
-          <a:prstGeom prst="straightConnector1">
-            <a:avLst/>
-          </a:prstGeom>
-          <a:ln w="12700">
-            <a:solidFill>
-              <a:schemeClr val="tx1"/>
-            </a:solidFill>
-            <a:tailEnd type="triangle"/>
-          </a:ln>
-        </p:spPr>
-        <p:style>
-          <a:lnRef idx="1">
-            <a:schemeClr val="accent1"/>
-          </a:lnRef>
-          <a:fillRef idx="0">
-            <a:schemeClr val="accent1"/>
-          </a:fillRef>
-          <a:effectRef idx="0">
-            <a:schemeClr val="accent1"/>
-          </a:effectRef>
-          <a:fontRef idx="minor">
-            <a:schemeClr val="tx1"/>
-          </a:fontRef>
-        </p:style>
-      </p:cxnSp>
-      <p:cxnSp>
-        <p:nvCxnSpPr>
-          <p:cNvPr id="54" name="直接箭头连接符 53"/>
-          <p:cNvCxnSpPr>
-            <a:stCxn id="13" idx="5"/>
-            <a:endCxn id="9" idx="2"/>
-          </p:cNvCxnSpPr>
-          <p:nvPr/>
-        </p:nvCxnSpPr>
-        <p:spPr>
-          <a:xfrm>
-            <a:off x="4794406" y="1789585"/>
-            <a:ext cx="281531" cy="2150372"/>
-          </a:xfrm>
-          <a:prstGeom prst="straightConnector1">
-            <a:avLst/>
-          </a:prstGeom>
-          <a:ln w="12700">
-            <a:solidFill>
-              <a:schemeClr val="tx1"/>
-            </a:solidFill>
-            <a:tailEnd type="triangle"/>
-          </a:ln>
-        </p:spPr>
-        <p:style>
-          <a:lnRef idx="1">
-            <a:schemeClr val="accent1"/>
-          </a:lnRef>
-          <a:fillRef idx="0">
-            <a:schemeClr val="accent1"/>
-          </a:fillRef>
-          <a:effectRef idx="0">
-            <a:schemeClr val="accent1"/>
-          </a:effectRef>
-          <a:fontRef idx="minor">
-            <a:schemeClr val="tx1"/>
-          </a:fontRef>
-        </p:style>
-      </p:cxnSp>
-      <p:cxnSp>
-        <p:nvCxnSpPr>
-          <p:cNvPr id="56" name="直接箭头连接符 55"/>
-          <p:cNvCxnSpPr>
-            <a:stCxn id="13" idx="5"/>
-            <a:endCxn id="10" idx="2"/>
-          </p:cNvCxnSpPr>
-          <p:nvPr/>
-        </p:nvCxnSpPr>
-        <p:spPr>
-          <a:xfrm>
-            <a:off x="4794406" y="1789585"/>
-            <a:ext cx="281531" cy="3071699"/>
-          </a:xfrm>
-          <a:prstGeom prst="straightConnector1">
-            <a:avLst/>
-          </a:prstGeom>
-          <a:ln w="12700">
-            <a:solidFill>
-              <a:schemeClr val="tx1"/>
-            </a:solidFill>
-            <a:tailEnd type="triangle"/>
-          </a:ln>
-        </p:spPr>
-        <p:style>
-          <a:lnRef idx="1">
-            <a:schemeClr val="accent1"/>
-          </a:lnRef>
-          <a:fillRef idx="0">
-            <a:schemeClr val="accent1"/>
-          </a:fillRef>
-          <a:effectRef idx="0">
-            <a:schemeClr val="accent1"/>
-          </a:effectRef>
-          <a:fontRef idx="minor">
-            <a:schemeClr val="tx1"/>
-          </a:fontRef>
-        </p:style>
-      </p:cxnSp>
-      <p:cxnSp>
-        <p:nvCxnSpPr>
-          <p:cNvPr id="58" name="直接箭头连接符 57"/>
-          <p:cNvCxnSpPr>
-            <a:stCxn id="14" idx="5"/>
-            <a:endCxn id="11" idx="2"/>
-          </p:cNvCxnSpPr>
-          <p:nvPr/>
-        </p:nvCxnSpPr>
-        <p:spPr>
-          <a:xfrm>
-            <a:off x="6962411" y="2482497"/>
-            <a:ext cx="203810" cy="1061188"/>
-          </a:xfrm>
-          <a:prstGeom prst="straightConnector1">
-            <a:avLst/>
-          </a:prstGeom>
-          <a:ln w="12700">
-            <a:solidFill>
-              <a:schemeClr val="tx1"/>
-            </a:solidFill>
-            <a:tailEnd type="triangle"/>
-          </a:ln>
-        </p:spPr>
-        <p:style>
-          <a:lnRef idx="1">
-            <a:schemeClr val="accent1"/>
-          </a:lnRef>
-          <a:fillRef idx="0">
-            <a:schemeClr val="accent1"/>
-          </a:fillRef>
-          <a:effectRef idx="0">
-            <a:schemeClr val="accent1"/>
-          </a:effectRef>
-          <a:fontRef idx="minor">
-            <a:schemeClr val="tx1"/>
-          </a:fontRef>
-        </p:style>
-      </p:cxnSp>
-      <p:cxnSp>
-        <p:nvCxnSpPr>
-          <p:cNvPr id="60" name="直接箭头连接符 59"/>
-          <p:cNvCxnSpPr>
-            <a:stCxn id="14" idx="5"/>
-            <a:endCxn id="12" idx="2"/>
-          </p:cNvCxnSpPr>
-          <p:nvPr/>
-        </p:nvCxnSpPr>
-        <p:spPr>
-          <a:xfrm>
-            <a:off x="6962411" y="2482497"/>
-            <a:ext cx="203810" cy="1910934"/>
-          </a:xfrm>
-          <a:prstGeom prst="straightConnector1">
-            <a:avLst/>
-          </a:prstGeom>
-          <a:ln w="12700">
-            <a:solidFill>
-              <a:schemeClr val="tx1"/>
-            </a:solidFill>
-            <a:tailEnd type="triangle"/>
-          </a:ln>
-        </p:spPr>
-        <p:style>
-          <a:lnRef idx="1">
-            <a:schemeClr val="accent1"/>
-          </a:lnRef>
-          <a:fillRef idx="0">
-            <a:schemeClr val="accent1"/>
-          </a:fillRef>
-          <a:effectRef idx="0">
-            <a:schemeClr val="accent1"/>
-          </a:effectRef>
-          <a:fontRef idx="minor">
-            <a:schemeClr val="tx1"/>
-          </a:fontRef>
-        </p:style>
-      </p:cxnSp>
-      <p:sp>
-        <p:nvSpPr>
-          <p:cNvPr id="63" name="文本框 62"/>
-          <p:cNvSpPr txBox="1"/>
-          <p:nvPr/>
-        </p:nvSpPr>
-        <p:spPr>
-          <a:xfrm>
-            <a:off x="2904960" y="5720112"/>
-            <a:ext cx="955711" cy="461665"/>
-          </a:xfrm>
-          <a:prstGeom prst="rect">
-            <a:avLst/>
-          </a:prstGeom>
-          <a:noFill/>
-        </p:spPr>
-        <p:txBody>
-          <a:bodyPr wrap="none" rtlCol="0">
-            <a:spAutoFit/>
-          </a:bodyPr>
-          <a:lstStyle/>
-          <a:p>
-            <a:pPr algn="ctr"/>
-            <a:r>
-              <a:rPr lang="en-US" altLang="zh-CN" sz="2400" b="1" i="1" dirty="0" smtClean="0">
+              </a:endParaRPr>
+            </a:p>
+          </p:txBody>
+        </p:sp>
+        <p:sp>
+          <p:nvSpPr>
+            <p:cNvPr id="64" name="文本框 63"/>
+            <p:cNvSpPr txBox="1"/>
+            <p:nvPr/>
+          </p:nvSpPr>
+          <p:spPr>
+            <a:xfrm>
+              <a:off x="5174781" y="5255939"/>
+              <a:ext cx="596638" cy="461665"/>
+            </a:xfrm>
+            <a:prstGeom prst="rect">
+              <a:avLst/>
+            </a:prstGeom>
+            <a:noFill/>
+          </p:spPr>
+          <p:txBody>
+            <a:bodyPr wrap="none" rtlCol="0">
+              <a:spAutoFit/>
+            </a:bodyPr>
+            <a:lstStyle/>
+            <a:p>
+              <a:pPr algn="ctr"/>
+              <a:r>
+                <a:rPr lang="en-US" altLang="zh-CN" sz="2400" b="1" i="1" dirty="0" smtClean="0">
+                  <a:latin typeface="Times New Roman" panose="02020603050405020304" pitchFamily="18" charset="0"/>
+                  <a:cs typeface="Times New Roman" panose="02020603050405020304" pitchFamily="18" charset="0"/>
+                </a:rPr>
+                <a:t>h</a:t>
+              </a:r>
+              <a:r>
+                <a:rPr lang="en-US" altLang="zh-CN" sz="2400" b="1" baseline="30000" dirty="0" smtClean="0">
+                  <a:latin typeface="Times New Roman" panose="02020603050405020304" pitchFamily="18" charset="0"/>
+                  <a:cs typeface="Times New Roman" panose="02020603050405020304" pitchFamily="18" charset="0"/>
+                </a:rPr>
+                <a:t>(2)</a:t>
+              </a:r>
+              <a:endParaRPr lang="zh-CN" altLang="en-US" b="1" baseline="30000" dirty="0">
                 <a:latin typeface="Times New Roman" panose="02020603050405020304" pitchFamily="18" charset="0"/>
                 <a:cs typeface="Times New Roman" panose="02020603050405020304" pitchFamily="18" charset="0"/>
-              </a:rPr>
-              <a:t>x</a:t>
-            </a:r>
-            <a:r>
-              <a:rPr lang="en-US" altLang="zh-CN" sz="2400" b="1" dirty="0">
+              </a:endParaRPr>
+            </a:p>
+          </p:txBody>
+        </p:sp>
+        <p:sp>
+          <p:nvSpPr>
+            <p:cNvPr id="65" name="文本框 64"/>
+            <p:cNvSpPr txBox="1"/>
+            <p:nvPr/>
+          </p:nvSpPr>
+          <p:spPr>
+            <a:xfrm>
+              <a:off x="7085529" y="4794274"/>
+              <a:ext cx="955711" cy="461665"/>
+            </a:xfrm>
+            <a:prstGeom prst="rect">
+              <a:avLst/>
+            </a:prstGeom>
+            <a:noFill/>
+          </p:spPr>
+          <p:txBody>
+            <a:bodyPr wrap="none" rtlCol="0">
+              <a:spAutoFit/>
+            </a:bodyPr>
+            <a:lstStyle/>
+            <a:p>
+              <a:pPr algn="ctr"/>
+              <a:r>
+                <a:rPr lang="en-US" altLang="zh-CN" sz="2400" b="1" i="1" dirty="0" smtClean="0">
+                  <a:latin typeface="Times New Roman" panose="02020603050405020304" pitchFamily="18" charset="0"/>
+                  <a:cs typeface="Times New Roman" panose="02020603050405020304" pitchFamily="18" charset="0"/>
+                </a:rPr>
+                <a:t>o</a:t>
+              </a:r>
+              <a:r>
+                <a:rPr lang="en-US" altLang="zh-CN" sz="2400" b="1" dirty="0" smtClean="0">
+                  <a:latin typeface="Times New Roman" panose="02020603050405020304" pitchFamily="18" charset="0"/>
+                  <a:cs typeface="Times New Roman" panose="02020603050405020304" pitchFamily="18" charset="0"/>
+                </a:rPr>
+                <a:t>[</a:t>
+              </a:r>
+              <a:r>
+                <a:rPr lang="en-US" altLang="zh-CN" sz="2400" b="1" i="1" dirty="0" smtClean="0">
+                  <a:latin typeface="Times New Roman" panose="02020603050405020304" pitchFamily="18" charset="0"/>
+                  <a:cs typeface="Times New Roman" panose="02020603050405020304" pitchFamily="18" charset="0"/>
+                </a:rPr>
+                <a:t>h</a:t>
+              </a:r>
+              <a:r>
+                <a:rPr lang="en-US" altLang="zh-CN" sz="2400" b="1" baseline="30000" dirty="0" smtClean="0">
+                  <a:latin typeface="Times New Roman" panose="02020603050405020304" pitchFamily="18" charset="0"/>
+                  <a:cs typeface="Times New Roman" panose="02020603050405020304" pitchFamily="18" charset="0"/>
+                </a:rPr>
+                <a:t>(3)</a:t>
+              </a:r>
+              <a:r>
+                <a:rPr lang="en-US" altLang="zh-CN" sz="2400" b="1" dirty="0" smtClean="0">
+                  <a:latin typeface="Times New Roman" panose="02020603050405020304" pitchFamily="18" charset="0"/>
+                  <a:cs typeface="Times New Roman" panose="02020603050405020304" pitchFamily="18" charset="0"/>
+                </a:rPr>
+                <a:t>]</a:t>
+              </a:r>
+              <a:endParaRPr lang="zh-CN" altLang="en-US" b="1" dirty="0">
                 <a:latin typeface="Times New Roman" panose="02020603050405020304" pitchFamily="18" charset="0"/>
                 <a:cs typeface="Times New Roman" panose="02020603050405020304" pitchFamily="18" charset="0"/>
-              </a:rPr>
-              <a:t>[</a:t>
-            </a:r>
-            <a:r>
-              <a:rPr lang="en-US" altLang="zh-CN" sz="2400" b="1" i="1" dirty="0" smtClean="0">
+              </a:endParaRPr>
+            </a:p>
+          </p:txBody>
+        </p:sp>
+        <p:sp>
+          <p:nvSpPr>
+            <p:cNvPr id="66" name="文本框 65"/>
+            <p:cNvSpPr txBox="1"/>
+            <p:nvPr/>
+          </p:nvSpPr>
+          <p:spPr>
+            <a:xfrm>
+              <a:off x="4176928" y="5087735"/>
+              <a:ext cx="681597" cy="461665"/>
+            </a:xfrm>
+            <a:prstGeom prst="rect">
+              <a:avLst/>
+            </a:prstGeom>
+            <a:noFill/>
+          </p:spPr>
+          <p:txBody>
+            <a:bodyPr wrap="none" rtlCol="0">
+              <a:spAutoFit/>
+            </a:bodyPr>
+            <a:lstStyle/>
+            <a:p>
+              <a:pPr algn="ctr"/>
+              <a:r>
+                <a:rPr lang="en-US" altLang="zh-CN" sz="2400" i="1" dirty="0" smtClean="0">
+                  <a:latin typeface="Times New Roman" panose="02020603050405020304" pitchFamily="18" charset="0"/>
+                  <a:cs typeface="Times New Roman" panose="02020603050405020304" pitchFamily="18" charset="0"/>
+                </a:rPr>
+                <a:t>W</a:t>
+              </a:r>
+              <a:r>
+                <a:rPr lang="en-US" altLang="zh-CN" sz="2400" baseline="30000" dirty="0" smtClean="0">
+                  <a:latin typeface="Times New Roman" panose="02020603050405020304" pitchFamily="18" charset="0"/>
+                  <a:cs typeface="Times New Roman" panose="02020603050405020304" pitchFamily="18" charset="0"/>
+                </a:rPr>
+                <a:t>(1)</a:t>
+              </a:r>
+              <a:endParaRPr lang="zh-CN" altLang="en-US" sz="2400" baseline="30000" dirty="0">
                 <a:latin typeface="Times New Roman" panose="02020603050405020304" pitchFamily="18" charset="0"/>
                 <a:cs typeface="Times New Roman" panose="02020603050405020304" pitchFamily="18" charset="0"/>
-              </a:rPr>
-              <a:t>h</a:t>
-            </a:r>
-            <a:r>
-              <a:rPr lang="en-US" altLang="zh-CN" sz="2400" b="1" baseline="30000" dirty="0" smtClean="0">
+              </a:endParaRPr>
+            </a:p>
+          </p:txBody>
+        </p:sp>
+        <p:sp>
+          <p:nvSpPr>
+            <p:cNvPr id="67" name="文本框 66"/>
+            <p:cNvSpPr txBox="1"/>
+            <p:nvPr/>
+          </p:nvSpPr>
+          <p:spPr>
+            <a:xfrm>
+              <a:off x="6283731" y="4610478"/>
+              <a:ext cx="681597" cy="461665"/>
+            </a:xfrm>
+            <a:prstGeom prst="rect">
+              <a:avLst/>
+            </a:prstGeom>
+            <a:noFill/>
+          </p:spPr>
+          <p:txBody>
+            <a:bodyPr wrap="none" rtlCol="0">
+              <a:spAutoFit/>
+            </a:bodyPr>
+            <a:lstStyle/>
+            <a:p>
+              <a:pPr algn="ctr"/>
+              <a:r>
+                <a:rPr lang="en-US" altLang="zh-CN" sz="2400" i="1" dirty="0" smtClean="0">
+                  <a:latin typeface="Times New Roman" panose="02020603050405020304" pitchFamily="18" charset="0"/>
+                  <a:cs typeface="Times New Roman" panose="02020603050405020304" pitchFamily="18" charset="0"/>
+                </a:rPr>
+                <a:t>W</a:t>
+              </a:r>
+              <a:r>
+                <a:rPr lang="en-US" altLang="zh-CN" sz="2400" baseline="30000" dirty="0" smtClean="0">
+                  <a:latin typeface="Times New Roman" panose="02020603050405020304" pitchFamily="18" charset="0"/>
+                  <a:cs typeface="Times New Roman" panose="02020603050405020304" pitchFamily="18" charset="0"/>
+                </a:rPr>
+                <a:t>(2)</a:t>
+              </a:r>
+              <a:endParaRPr lang="zh-CN" altLang="en-US" sz="2400" baseline="30000" dirty="0">
                 <a:latin typeface="Times New Roman" panose="02020603050405020304" pitchFamily="18" charset="0"/>
                 <a:cs typeface="Times New Roman" panose="02020603050405020304" pitchFamily="18" charset="0"/>
-              </a:rPr>
-              <a:t>(1)</a:t>
-            </a:r>
-            <a:r>
-              <a:rPr lang="en-US" altLang="zh-CN" sz="2400" b="1" dirty="0">
+              </a:endParaRPr>
+            </a:p>
+          </p:txBody>
+        </p:sp>
+        <p:sp>
+          <p:nvSpPr>
+            <p:cNvPr id="68" name="文本框 67"/>
+            <p:cNvSpPr txBox="1"/>
+            <p:nvPr/>
+          </p:nvSpPr>
+          <p:spPr>
+            <a:xfrm>
+              <a:off x="4844717" y="1900812"/>
+              <a:ext cx="579005" cy="461665"/>
+            </a:xfrm>
+            <a:prstGeom prst="rect">
+              <a:avLst/>
+            </a:prstGeom>
+            <a:noFill/>
+          </p:spPr>
+          <p:txBody>
+            <a:bodyPr wrap="none" rtlCol="0">
+              <a:spAutoFit/>
+            </a:bodyPr>
+            <a:lstStyle/>
+            <a:p>
+              <a:pPr algn="ctr"/>
+              <a:r>
+                <a:rPr lang="en-US" altLang="zh-CN" sz="2400" b="1" i="1" dirty="0" smtClean="0">
+                  <a:latin typeface="Times New Roman" panose="02020603050405020304" pitchFamily="18" charset="0"/>
+                  <a:cs typeface="Times New Roman" panose="02020603050405020304" pitchFamily="18" charset="0"/>
+                </a:rPr>
+                <a:t>b</a:t>
+              </a:r>
+              <a:r>
+                <a:rPr lang="en-US" altLang="zh-CN" sz="2400" baseline="30000" dirty="0" smtClean="0">
+                  <a:latin typeface="Times New Roman" panose="02020603050405020304" pitchFamily="18" charset="0"/>
+                  <a:cs typeface="Times New Roman" panose="02020603050405020304" pitchFamily="18" charset="0"/>
+                </a:rPr>
+                <a:t>(1)</a:t>
+              </a:r>
+              <a:endParaRPr lang="zh-CN" altLang="en-US" sz="2400" baseline="30000" dirty="0">
                 <a:latin typeface="Times New Roman" panose="02020603050405020304" pitchFamily="18" charset="0"/>
                 <a:cs typeface="Times New Roman" panose="02020603050405020304" pitchFamily="18" charset="0"/>
-              </a:rPr>
-              <a:t>]</a:t>
-            </a:r>
-            <a:endParaRPr lang="zh-CN" altLang="en-US" b="1" dirty="0">
-              <a:latin typeface="Times New Roman" panose="02020603050405020304" pitchFamily="18" charset="0"/>
-              <a:cs typeface="Times New Roman" panose="02020603050405020304" pitchFamily="18" charset="0"/>
-            </a:endParaRPr>
-          </a:p>
-        </p:txBody>
-      </p:sp>
-      <p:sp>
-        <p:nvSpPr>
-          <p:cNvPr id="64" name="文本框 63"/>
-          <p:cNvSpPr txBox="1"/>
-          <p:nvPr/>
-        </p:nvSpPr>
-        <p:spPr>
-          <a:xfrm>
-            <a:off x="5174781" y="5255939"/>
-            <a:ext cx="596638" cy="461665"/>
-          </a:xfrm>
-          <a:prstGeom prst="rect">
-            <a:avLst/>
-          </a:prstGeom>
-          <a:noFill/>
-        </p:spPr>
-        <p:txBody>
-          <a:bodyPr wrap="none" rtlCol="0">
-            <a:spAutoFit/>
-          </a:bodyPr>
-          <a:lstStyle/>
-          <a:p>
-            <a:pPr algn="ctr"/>
-            <a:r>
-              <a:rPr lang="en-US" altLang="zh-CN" sz="2400" b="1" i="1" dirty="0" smtClean="0">
+              </a:endParaRPr>
+            </a:p>
+          </p:txBody>
+        </p:sp>
+        <p:sp>
+          <p:nvSpPr>
+            <p:cNvPr id="69" name="文本框 68"/>
+            <p:cNvSpPr txBox="1"/>
+            <p:nvPr/>
+          </p:nvSpPr>
+          <p:spPr>
+            <a:xfrm>
+              <a:off x="6984379" y="2503054"/>
+              <a:ext cx="579005" cy="461665"/>
+            </a:xfrm>
+            <a:prstGeom prst="rect">
+              <a:avLst/>
+            </a:prstGeom>
+            <a:noFill/>
+          </p:spPr>
+          <p:txBody>
+            <a:bodyPr wrap="none" rtlCol="0">
+              <a:spAutoFit/>
+            </a:bodyPr>
+            <a:lstStyle/>
+            <a:p>
+              <a:pPr algn="ctr"/>
+              <a:r>
+                <a:rPr lang="en-US" altLang="zh-CN" sz="2400" b="1" i="1" dirty="0" smtClean="0">
+                  <a:latin typeface="Times New Roman" panose="02020603050405020304" pitchFamily="18" charset="0"/>
+                  <a:cs typeface="Times New Roman" panose="02020603050405020304" pitchFamily="18" charset="0"/>
+                </a:rPr>
+                <a:t>b</a:t>
+              </a:r>
+              <a:r>
+                <a:rPr lang="en-US" altLang="zh-CN" sz="2400" baseline="30000" dirty="0" smtClean="0">
+                  <a:latin typeface="Times New Roman" panose="02020603050405020304" pitchFamily="18" charset="0"/>
+                  <a:cs typeface="Times New Roman" panose="02020603050405020304" pitchFamily="18" charset="0"/>
+                </a:rPr>
+                <a:t>(2)</a:t>
+              </a:r>
+              <a:endParaRPr lang="zh-CN" altLang="en-US" sz="2400" baseline="30000" dirty="0">
                 <a:latin typeface="Times New Roman" panose="02020603050405020304" pitchFamily="18" charset="0"/>
                 <a:cs typeface="Times New Roman" panose="02020603050405020304" pitchFamily="18" charset="0"/>
-              </a:rPr>
-              <a:t>h</a:t>
-            </a:r>
-            <a:r>
-              <a:rPr lang="en-US" altLang="zh-CN" sz="2400" b="1" baseline="30000" dirty="0" smtClean="0">
+              </a:endParaRPr>
+            </a:p>
+          </p:txBody>
+        </p:sp>
+        <p:sp>
+          <p:nvSpPr>
+            <p:cNvPr id="71" name="文本框 70"/>
+            <p:cNvSpPr txBox="1"/>
+            <p:nvPr/>
+          </p:nvSpPr>
+          <p:spPr>
+            <a:xfrm>
+              <a:off x="2736644" y="6111625"/>
+              <a:ext cx="1292341" cy="369332"/>
+            </a:xfrm>
+            <a:prstGeom prst="rect">
+              <a:avLst/>
+            </a:prstGeom>
+            <a:noFill/>
+          </p:spPr>
+          <p:txBody>
+            <a:bodyPr wrap="none" rtlCol="0">
+              <a:spAutoFit/>
+            </a:bodyPr>
+            <a:lstStyle/>
+            <a:p>
+              <a:pPr algn="ctr"/>
+              <a:r>
+                <a:rPr lang="en-US" altLang="zh-CN" dirty="0" smtClean="0">
+                  <a:latin typeface="Times New Roman" panose="02020603050405020304" pitchFamily="18" charset="0"/>
+                  <a:cs typeface="Times New Roman" panose="02020603050405020304" pitchFamily="18" charset="0"/>
+                </a:rPr>
+                <a:t>Input Layer</a:t>
+              </a:r>
+              <a:endParaRPr lang="zh-CN" altLang="en-US" dirty="0">
                 <a:latin typeface="Times New Roman" panose="02020603050405020304" pitchFamily="18" charset="0"/>
                 <a:cs typeface="Times New Roman" panose="02020603050405020304" pitchFamily="18" charset="0"/>
-              </a:rPr>
-              <a:t>(2)</a:t>
-            </a:r>
-            <a:endParaRPr lang="zh-CN" altLang="en-US" b="1" baseline="30000" dirty="0">
-              <a:latin typeface="Times New Roman" panose="02020603050405020304" pitchFamily="18" charset="0"/>
-              <a:cs typeface="Times New Roman" panose="02020603050405020304" pitchFamily="18" charset="0"/>
-            </a:endParaRPr>
-          </a:p>
-        </p:txBody>
-      </p:sp>
-      <p:sp>
-        <p:nvSpPr>
-          <p:cNvPr id="65" name="文本框 64"/>
-          <p:cNvSpPr txBox="1"/>
-          <p:nvPr/>
-        </p:nvSpPr>
-        <p:spPr>
-          <a:xfrm>
-            <a:off x="7085529" y="4794274"/>
-            <a:ext cx="955711" cy="461665"/>
-          </a:xfrm>
-          <a:prstGeom prst="rect">
-            <a:avLst/>
-          </a:prstGeom>
-          <a:noFill/>
-        </p:spPr>
-        <p:txBody>
-          <a:bodyPr wrap="none" rtlCol="0">
-            <a:spAutoFit/>
-          </a:bodyPr>
-          <a:lstStyle/>
-          <a:p>
-            <a:pPr algn="ctr"/>
-            <a:r>
-              <a:rPr lang="en-US" altLang="zh-CN" sz="2400" b="1" i="1" dirty="0" smtClean="0">
+              </a:endParaRPr>
+            </a:p>
+          </p:txBody>
+        </p:sp>
+        <p:sp>
+          <p:nvSpPr>
+            <p:cNvPr id="72" name="文本框 71"/>
+            <p:cNvSpPr txBox="1"/>
+            <p:nvPr/>
+          </p:nvSpPr>
+          <p:spPr>
+            <a:xfrm>
+              <a:off x="4724337" y="5591185"/>
+              <a:ext cx="1497526" cy="369332"/>
+            </a:xfrm>
+            <a:prstGeom prst="rect">
+              <a:avLst/>
+            </a:prstGeom>
+            <a:noFill/>
+          </p:spPr>
+          <p:txBody>
+            <a:bodyPr wrap="none" rtlCol="0">
+              <a:spAutoFit/>
+            </a:bodyPr>
+            <a:lstStyle/>
+            <a:p>
+              <a:pPr algn="ctr"/>
+              <a:r>
+                <a:rPr lang="en-US" altLang="zh-CN" dirty="0" smtClean="0">
+                  <a:latin typeface="Times New Roman" panose="02020603050405020304" pitchFamily="18" charset="0"/>
+                  <a:cs typeface="Times New Roman" panose="02020603050405020304" pitchFamily="18" charset="0"/>
+                </a:rPr>
+                <a:t>Hidden Layer</a:t>
+              </a:r>
+              <a:endParaRPr lang="zh-CN" altLang="en-US" dirty="0">
                 <a:latin typeface="Times New Roman" panose="02020603050405020304" pitchFamily="18" charset="0"/>
                 <a:cs typeface="Times New Roman" panose="02020603050405020304" pitchFamily="18" charset="0"/>
-              </a:rPr>
-              <a:t>o</a:t>
-            </a:r>
-            <a:r>
-              <a:rPr lang="en-US" altLang="zh-CN" sz="2400" b="1" dirty="0" smtClean="0">
+              </a:endParaRPr>
+            </a:p>
+          </p:txBody>
+        </p:sp>
+        <p:sp>
+          <p:nvSpPr>
+            <p:cNvPr id="73" name="文本框 70"/>
+            <p:cNvSpPr txBox="1"/>
+            <p:nvPr/>
+          </p:nvSpPr>
+          <p:spPr>
+            <a:xfrm>
+              <a:off x="6852292" y="5201674"/>
+              <a:ext cx="1422184" cy="369332"/>
+            </a:xfrm>
+            <a:prstGeom prst="rect">
+              <a:avLst/>
+            </a:prstGeom>
+            <a:noFill/>
+          </p:spPr>
+          <p:txBody>
+            <a:bodyPr wrap="none" rtlCol="0">
+              <a:spAutoFit/>
+            </a:bodyPr>
+            <a:lstStyle>
+              <a:defPPr>
+                <a:defRPr lang="zh-CN"/>
+              </a:defPPr>
+              <a:lvl1pPr marL="0" algn="l" defTabSz="914400" rtl="0" eaLnBrk="1" latinLnBrk="0" hangingPunct="1">
+                <a:defRPr sz="1800" kern="1200">
+                  <a:solidFill>
+                    <a:schemeClr val="tx1"/>
+                  </a:solidFill>
+                  <a:latin typeface="+mn-lt"/>
+                  <a:ea typeface="+mn-ea"/>
+                  <a:cs typeface="+mn-cs"/>
+                </a:defRPr>
+              </a:lvl1pPr>
+              <a:lvl2pPr marL="457200" algn="l" defTabSz="914400" rtl="0" eaLnBrk="1" latinLnBrk="0" hangingPunct="1">
+                <a:defRPr sz="1800" kern="1200">
+                  <a:solidFill>
+                    <a:schemeClr val="tx1"/>
+                  </a:solidFill>
+                  <a:latin typeface="+mn-lt"/>
+                  <a:ea typeface="+mn-ea"/>
+                  <a:cs typeface="+mn-cs"/>
+                </a:defRPr>
+              </a:lvl2pPr>
+              <a:lvl3pPr marL="914400" algn="l" defTabSz="914400" rtl="0" eaLnBrk="1" latinLnBrk="0" hangingPunct="1">
+                <a:defRPr sz="1800" kern="1200">
+                  <a:solidFill>
+                    <a:schemeClr val="tx1"/>
+                  </a:solidFill>
+                  <a:latin typeface="+mn-lt"/>
+                  <a:ea typeface="+mn-ea"/>
+                  <a:cs typeface="+mn-cs"/>
+                </a:defRPr>
+              </a:lvl3pPr>
+              <a:lvl4pPr marL="1371600" algn="l" defTabSz="914400" rtl="0" eaLnBrk="1" latinLnBrk="0" hangingPunct="1">
+                <a:defRPr sz="1800" kern="1200">
+                  <a:solidFill>
+                    <a:schemeClr val="tx1"/>
+                  </a:solidFill>
+                  <a:latin typeface="+mn-lt"/>
+                  <a:ea typeface="+mn-ea"/>
+                  <a:cs typeface="+mn-cs"/>
+                </a:defRPr>
+              </a:lvl4pPr>
+              <a:lvl5pPr marL="1828800" algn="l" defTabSz="914400" rtl="0" eaLnBrk="1" latinLnBrk="0" hangingPunct="1">
+                <a:defRPr sz="1800" kern="1200">
+                  <a:solidFill>
+                    <a:schemeClr val="tx1"/>
+                  </a:solidFill>
+                  <a:latin typeface="+mn-lt"/>
+                  <a:ea typeface="+mn-ea"/>
+                  <a:cs typeface="+mn-cs"/>
+                </a:defRPr>
+              </a:lvl5pPr>
+              <a:lvl6pPr marL="2286000" algn="l" defTabSz="914400" rtl="0" eaLnBrk="1" latinLnBrk="0" hangingPunct="1">
+                <a:defRPr sz="1800" kern="1200">
+                  <a:solidFill>
+                    <a:schemeClr val="tx1"/>
+                  </a:solidFill>
+                  <a:latin typeface="+mn-lt"/>
+                  <a:ea typeface="+mn-ea"/>
+                  <a:cs typeface="+mn-cs"/>
+                </a:defRPr>
+              </a:lvl6pPr>
+              <a:lvl7pPr marL="2743200" algn="l" defTabSz="914400" rtl="0" eaLnBrk="1" latinLnBrk="0" hangingPunct="1">
+                <a:defRPr sz="1800" kern="1200">
+                  <a:solidFill>
+                    <a:schemeClr val="tx1"/>
+                  </a:solidFill>
+                  <a:latin typeface="+mn-lt"/>
+                  <a:ea typeface="+mn-ea"/>
+                  <a:cs typeface="+mn-cs"/>
+                </a:defRPr>
+              </a:lvl7pPr>
+              <a:lvl8pPr marL="3200400" algn="l" defTabSz="914400" rtl="0" eaLnBrk="1" latinLnBrk="0" hangingPunct="1">
+                <a:defRPr sz="1800" kern="1200">
+                  <a:solidFill>
+                    <a:schemeClr val="tx1"/>
+                  </a:solidFill>
+                  <a:latin typeface="+mn-lt"/>
+                  <a:ea typeface="+mn-ea"/>
+                  <a:cs typeface="+mn-cs"/>
+                </a:defRPr>
+              </a:lvl8pPr>
+              <a:lvl9pPr marL="3657600" algn="l" defTabSz="914400" rtl="0" eaLnBrk="1" latinLnBrk="0" hangingPunct="1">
+                <a:defRPr sz="1800" kern="1200">
+                  <a:solidFill>
+                    <a:schemeClr val="tx1"/>
+                  </a:solidFill>
+                  <a:latin typeface="+mn-lt"/>
+                  <a:ea typeface="+mn-ea"/>
+                  <a:cs typeface="+mn-cs"/>
+                </a:defRPr>
+              </a:lvl9pPr>
+            </a:lstStyle>
+            <a:p>
+              <a:r>
+                <a:rPr lang="en-US" altLang="zh-CN" dirty="0" smtClean="0">
+                  <a:latin typeface="Times New Roman" panose="02020603050405020304" pitchFamily="18" charset="0"/>
+                  <a:cs typeface="Times New Roman" panose="02020603050405020304" pitchFamily="18" charset="0"/>
+                </a:rPr>
+                <a:t>Out</a:t>
+              </a:r>
+              <a:r>
+                <a:rPr lang="en-US" altLang="zh-CN" dirty="0" smtClean="0">
+                  <a:latin typeface="Times New Roman" panose="02020603050405020304" pitchFamily="18" charset="0"/>
+                  <a:cs typeface="Times New Roman" panose="02020603050405020304" pitchFamily="18" charset="0"/>
+                </a:rPr>
+                <a:t>put </a:t>
+              </a:r>
+              <a:r>
+                <a:rPr lang="en-US" altLang="zh-CN" dirty="0" smtClean="0">
+                  <a:latin typeface="Times New Roman" panose="02020603050405020304" pitchFamily="18" charset="0"/>
+                  <a:cs typeface="Times New Roman" panose="02020603050405020304" pitchFamily="18" charset="0"/>
+                </a:rPr>
+                <a:t>Layer</a:t>
+              </a:r>
+              <a:endParaRPr lang="zh-CN" altLang="en-US" dirty="0">
                 <a:latin typeface="Times New Roman" panose="02020603050405020304" pitchFamily="18" charset="0"/>
                 <a:cs typeface="Times New Roman" panose="02020603050405020304" pitchFamily="18" charset="0"/>
-              </a:rPr>
-              <a:t>[</a:t>
-            </a:r>
-            <a:r>
-              <a:rPr lang="en-US" altLang="zh-CN" sz="2400" b="1" i="1" dirty="0" smtClean="0">
-                <a:latin typeface="Times New Roman" panose="02020603050405020304" pitchFamily="18" charset="0"/>
-                <a:cs typeface="Times New Roman" panose="02020603050405020304" pitchFamily="18" charset="0"/>
-              </a:rPr>
-              <a:t>h</a:t>
-            </a:r>
-            <a:r>
-              <a:rPr lang="en-US" altLang="zh-CN" sz="2400" b="1" baseline="30000" dirty="0" smtClean="0">
-                <a:latin typeface="Times New Roman" panose="02020603050405020304" pitchFamily="18" charset="0"/>
-                <a:cs typeface="Times New Roman" panose="02020603050405020304" pitchFamily="18" charset="0"/>
-              </a:rPr>
-              <a:t>(3)</a:t>
-            </a:r>
-            <a:r>
-              <a:rPr lang="en-US" altLang="zh-CN" sz="2400" b="1" dirty="0" smtClean="0">
-                <a:latin typeface="Times New Roman" panose="02020603050405020304" pitchFamily="18" charset="0"/>
-                <a:cs typeface="Times New Roman" panose="02020603050405020304" pitchFamily="18" charset="0"/>
-              </a:rPr>
-              <a:t>]</a:t>
-            </a:r>
-            <a:endParaRPr lang="zh-CN" altLang="en-US" b="1" dirty="0">
-              <a:latin typeface="Times New Roman" panose="02020603050405020304" pitchFamily="18" charset="0"/>
-              <a:cs typeface="Times New Roman" panose="02020603050405020304" pitchFamily="18" charset="0"/>
-            </a:endParaRPr>
-          </a:p>
-        </p:txBody>
-      </p:sp>
-      <p:sp>
-        <p:nvSpPr>
-          <p:cNvPr id="66" name="文本框 65"/>
-          <p:cNvSpPr txBox="1"/>
-          <p:nvPr/>
-        </p:nvSpPr>
-        <p:spPr>
-          <a:xfrm>
-            <a:off x="4176928" y="5087735"/>
-            <a:ext cx="681597" cy="461665"/>
-          </a:xfrm>
-          <a:prstGeom prst="rect">
-            <a:avLst/>
-          </a:prstGeom>
-          <a:noFill/>
-        </p:spPr>
-        <p:txBody>
-          <a:bodyPr wrap="none" rtlCol="0">
-            <a:spAutoFit/>
-          </a:bodyPr>
-          <a:lstStyle/>
-          <a:p>
-            <a:pPr algn="ctr"/>
-            <a:r>
-              <a:rPr lang="en-US" altLang="zh-CN" sz="2400" i="1" dirty="0" smtClean="0">
-                <a:latin typeface="Times New Roman" panose="02020603050405020304" pitchFamily="18" charset="0"/>
-                <a:cs typeface="Times New Roman" panose="02020603050405020304" pitchFamily="18" charset="0"/>
-              </a:rPr>
-              <a:t>W</a:t>
-            </a:r>
-            <a:r>
-              <a:rPr lang="en-US" altLang="zh-CN" sz="2400" baseline="30000" dirty="0" smtClean="0">
-                <a:latin typeface="Times New Roman" panose="02020603050405020304" pitchFamily="18" charset="0"/>
-                <a:cs typeface="Times New Roman" panose="02020603050405020304" pitchFamily="18" charset="0"/>
-              </a:rPr>
-              <a:t>(1)</a:t>
-            </a:r>
-            <a:endParaRPr lang="zh-CN" altLang="en-US" sz="2400" baseline="30000" dirty="0">
-              <a:latin typeface="Times New Roman" panose="02020603050405020304" pitchFamily="18" charset="0"/>
-              <a:cs typeface="Times New Roman" panose="02020603050405020304" pitchFamily="18" charset="0"/>
-            </a:endParaRPr>
-          </a:p>
-        </p:txBody>
-      </p:sp>
-      <p:sp>
-        <p:nvSpPr>
-          <p:cNvPr id="67" name="文本框 66"/>
-          <p:cNvSpPr txBox="1"/>
-          <p:nvPr/>
-        </p:nvSpPr>
-        <p:spPr>
-          <a:xfrm>
-            <a:off x="6283731" y="4610478"/>
-            <a:ext cx="681597" cy="461665"/>
-          </a:xfrm>
-          <a:prstGeom prst="rect">
-            <a:avLst/>
-          </a:prstGeom>
-          <a:noFill/>
-        </p:spPr>
-        <p:txBody>
-          <a:bodyPr wrap="none" rtlCol="0">
-            <a:spAutoFit/>
-          </a:bodyPr>
-          <a:lstStyle/>
-          <a:p>
-            <a:pPr algn="ctr"/>
-            <a:r>
-              <a:rPr lang="en-US" altLang="zh-CN" sz="2400" i="1" dirty="0" smtClean="0">
-                <a:latin typeface="Times New Roman" panose="02020603050405020304" pitchFamily="18" charset="0"/>
-                <a:cs typeface="Times New Roman" panose="02020603050405020304" pitchFamily="18" charset="0"/>
-              </a:rPr>
-              <a:t>W</a:t>
-            </a:r>
-            <a:r>
-              <a:rPr lang="en-US" altLang="zh-CN" sz="2400" baseline="30000" dirty="0" smtClean="0">
-                <a:latin typeface="Times New Roman" panose="02020603050405020304" pitchFamily="18" charset="0"/>
-                <a:cs typeface="Times New Roman" panose="02020603050405020304" pitchFamily="18" charset="0"/>
-              </a:rPr>
-              <a:t>(2)</a:t>
-            </a:r>
-            <a:endParaRPr lang="zh-CN" altLang="en-US" sz="2400" baseline="30000" dirty="0">
-              <a:latin typeface="Times New Roman" panose="02020603050405020304" pitchFamily="18" charset="0"/>
-              <a:cs typeface="Times New Roman" panose="02020603050405020304" pitchFamily="18" charset="0"/>
-            </a:endParaRPr>
-          </a:p>
-        </p:txBody>
-      </p:sp>
-      <p:sp>
-        <p:nvSpPr>
-          <p:cNvPr id="68" name="文本框 67"/>
-          <p:cNvSpPr txBox="1"/>
-          <p:nvPr/>
-        </p:nvSpPr>
-        <p:spPr>
-          <a:xfrm>
-            <a:off x="4844717" y="1900812"/>
-            <a:ext cx="579005" cy="461665"/>
-          </a:xfrm>
-          <a:prstGeom prst="rect">
-            <a:avLst/>
-          </a:prstGeom>
-          <a:noFill/>
-        </p:spPr>
-        <p:txBody>
-          <a:bodyPr wrap="none" rtlCol="0">
-            <a:spAutoFit/>
-          </a:bodyPr>
-          <a:lstStyle/>
-          <a:p>
-            <a:pPr algn="ctr"/>
-            <a:r>
-              <a:rPr lang="en-US" altLang="zh-CN" sz="2400" b="1" i="1" dirty="0" smtClean="0">
-                <a:latin typeface="Times New Roman" panose="02020603050405020304" pitchFamily="18" charset="0"/>
-                <a:cs typeface="Times New Roman" panose="02020603050405020304" pitchFamily="18" charset="0"/>
-              </a:rPr>
-              <a:t>b</a:t>
-            </a:r>
-            <a:r>
-              <a:rPr lang="en-US" altLang="zh-CN" sz="2400" baseline="30000" dirty="0" smtClean="0">
-                <a:latin typeface="Times New Roman" panose="02020603050405020304" pitchFamily="18" charset="0"/>
-                <a:cs typeface="Times New Roman" panose="02020603050405020304" pitchFamily="18" charset="0"/>
-              </a:rPr>
-              <a:t>(1)</a:t>
-            </a:r>
-            <a:endParaRPr lang="zh-CN" altLang="en-US" sz="2400" baseline="30000" dirty="0">
-              <a:latin typeface="Times New Roman" panose="02020603050405020304" pitchFamily="18" charset="0"/>
-              <a:cs typeface="Times New Roman" panose="02020603050405020304" pitchFamily="18" charset="0"/>
-            </a:endParaRPr>
-          </a:p>
-        </p:txBody>
-      </p:sp>
-      <p:sp>
-        <p:nvSpPr>
-          <p:cNvPr id="69" name="文本框 68"/>
-          <p:cNvSpPr txBox="1"/>
-          <p:nvPr/>
-        </p:nvSpPr>
-        <p:spPr>
-          <a:xfrm>
-            <a:off x="6984379" y="2503054"/>
-            <a:ext cx="579005" cy="461665"/>
-          </a:xfrm>
-          <a:prstGeom prst="rect">
-            <a:avLst/>
-          </a:prstGeom>
-          <a:noFill/>
-        </p:spPr>
-        <p:txBody>
-          <a:bodyPr wrap="none" rtlCol="0">
-            <a:spAutoFit/>
-          </a:bodyPr>
-          <a:lstStyle/>
-          <a:p>
-            <a:pPr algn="ctr"/>
-            <a:r>
-              <a:rPr lang="en-US" altLang="zh-CN" sz="2400" b="1" i="1" dirty="0" smtClean="0">
-                <a:latin typeface="Times New Roman" panose="02020603050405020304" pitchFamily="18" charset="0"/>
-                <a:cs typeface="Times New Roman" panose="02020603050405020304" pitchFamily="18" charset="0"/>
-              </a:rPr>
-              <a:t>b</a:t>
-            </a:r>
-            <a:r>
-              <a:rPr lang="en-US" altLang="zh-CN" sz="2400" baseline="30000" dirty="0" smtClean="0">
-                <a:latin typeface="Times New Roman" panose="02020603050405020304" pitchFamily="18" charset="0"/>
-                <a:cs typeface="Times New Roman" panose="02020603050405020304" pitchFamily="18" charset="0"/>
-              </a:rPr>
-              <a:t>(2)</a:t>
-            </a:r>
-            <a:endParaRPr lang="zh-CN" altLang="en-US" sz="2400" baseline="30000" dirty="0">
-              <a:latin typeface="Times New Roman" panose="02020603050405020304" pitchFamily="18" charset="0"/>
-              <a:cs typeface="Times New Roman" panose="02020603050405020304" pitchFamily="18" charset="0"/>
-            </a:endParaRPr>
-          </a:p>
-        </p:txBody>
-      </p:sp>
-      <p:sp>
-        <p:nvSpPr>
-          <p:cNvPr id="71" name="文本框 70"/>
-          <p:cNvSpPr txBox="1"/>
-          <p:nvPr/>
-        </p:nvSpPr>
-        <p:spPr>
-          <a:xfrm>
-            <a:off x="2736644" y="6111625"/>
-            <a:ext cx="1292341" cy="369332"/>
-          </a:xfrm>
-          <a:prstGeom prst="rect">
-            <a:avLst/>
-          </a:prstGeom>
-          <a:noFill/>
-        </p:spPr>
-        <p:txBody>
-          <a:bodyPr wrap="none" rtlCol="0">
-            <a:spAutoFit/>
-          </a:bodyPr>
-          <a:lstStyle/>
-          <a:p>
-            <a:pPr algn="ctr"/>
-            <a:r>
-              <a:rPr lang="en-US" altLang="zh-CN" dirty="0" smtClean="0">
-                <a:latin typeface="Times New Roman" panose="02020603050405020304" pitchFamily="18" charset="0"/>
-                <a:cs typeface="Times New Roman" panose="02020603050405020304" pitchFamily="18" charset="0"/>
-              </a:rPr>
-              <a:t>Input Layer</a:t>
-            </a:r>
-            <a:endParaRPr lang="zh-CN" altLang="en-US" dirty="0">
-              <a:latin typeface="Times New Roman" panose="02020603050405020304" pitchFamily="18" charset="0"/>
-              <a:cs typeface="Times New Roman" panose="02020603050405020304" pitchFamily="18" charset="0"/>
-            </a:endParaRPr>
-          </a:p>
-        </p:txBody>
-      </p:sp>
-      <p:sp>
-        <p:nvSpPr>
-          <p:cNvPr id="72" name="文本框 71"/>
-          <p:cNvSpPr txBox="1"/>
-          <p:nvPr/>
-        </p:nvSpPr>
-        <p:spPr>
-          <a:xfrm>
-            <a:off x="4724337" y="5591185"/>
-            <a:ext cx="1497526" cy="369332"/>
-          </a:xfrm>
-          <a:prstGeom prst="rect">
-            <a:avLst/>
-          </a:prstGeom>
-          <a:noFill/>
-        </p:spPr>
-        <p:txBody>
-          <a:bodyPr wrap="none" rtlCol="0">
-            <a:spAutoFit/>
-          </a:bodyPr>
-          <a:lstStyle/>
-          <a:p>
-            <a:pPr algn="ctr"/>
-            <a:r>
-              <a:rPr lang="en-US" altLang="zh-CN" dirty="0" smtClean="0">
-                <a:latin typeface="Times New Roman" panose="02020603050405020304" pitchFamily="18" charset="0"/>
-                <a:cs typeface="Times New Roman" panose="02020603050405020304" pitchFamily="18" charset="0"/>
-              </a:rPr>
-              <a:t>Hidden Layer</a:t>
-            </a:r>
-            <a:endParaRPr lang="zh-CN" altLang="en-US" dirty="0">
-              <a:latin typeface="Times New Roman" panose="02020603050405020304" pitchFamily="18" charset="0"/>
-              <a:cs typeface="Times New Roman" panose="02020603050405020304" pitchFamily="18" charset="0"/>
-            </a:endParaRPr>
-          </a:p>
-        </p:txBody>
-      </p:sp>
-      <p:sp>
-        <p:nvSpPr>
-          <p:cNvPr id="73" name="文本框 70"/>
-          <p:cNvSpPr txBox="1"/>
-          <p:nvPr/>
-        </p:nvSpPr>
-        <p:spPr>
-          <a:xfrm>
-            <a:off x="6852292" y="5201674"/>
-            <a:ext cx="1422184" cy="369332"/>
-          </a:xfrm>
-          <a:prstGeom prst="rect">
-            <a:avLst/>
-          </a:prstGeom>
-          <a:noFill/>
-        </p:spPr>
-        <p:txBody>
-          <a:bodyPr wrap="none" rtlCol="0">
-            <a:spAutoFit/>
-          </a:bodyPr>
-          <a:lstStyle>
-            <a:defPPr>
-              <a:defRPr lang="zh-CN"/>
-            </a:defPPr>
-            <a:lvl1pPr marL="0" algn="l" defTabSz="914400" rtl="0" eaLnBrk="1" latinLnBrk="0" hangingPunct="1">
-              <a:defRPr sz="1800" kern="1200">
-                <a:solidFill>
-                  <a:schemeClr val="tx1"/>
-                </a:solidFill>
-                <a:latin typeface="+mn-lt"/>
-                <a:ea typeface="+mn-ea"/>
-                <a:cs typeface="+mn-cs"/>
-              </a:defRPr>
-            </a:lvl1pPr>
-            <a:lvl2pPr marL="457200" algn="l" defTabSz="914400" rtl="0" eaLnBrk="1" latinLnBrk="0" hangingPunct="1">
-              <a:defRPr sz="1800" kern="1200">
-                <a:solidFill>
-                  <a:schemeClr val="tx1"/>
-                </a:solidFill>
-                <a:latin typeface="+mn-lt"/>
-                <a:ea typeface="+mn-ea"/>
-                <a:cs typeface="+mn-cs"/>
-              </a:defRPr>
-            </a:lvl2pPr>
-            <a:lvl3pPr marL="914400" algn="l" defTabSz="914400" rtl="0" eaLnBrk="1" latinLnBrk="0" hangingPunct="1">
-              <a:defRPr sz="1800" kern="1200">
-                <a:solidFill>
-                  <a:schemeClr val="tx1"/>
-                </a:solidFill>
-                <a:latin typeface="+mn-lt"/>
-                <a:ea typeface="+mn-ea"/>
-                <a:cs typeface="+mn-cs"/>
-              </a:defRPr>
-            </a:lvl3pPr>
-            <a:lvl4pPr marL="1371600" algn="l" defTabSz="914400" rtl="0" eaLnBrk="1" latinLnBrk="0" hangingPunct="1">
-              <a:defRPr sz="1800" kern="1200">
-                <a:solidFill>
-                  <a:schemeClr val="tx1"/>
-                </a:solidFill>
-                <a:latin typeface="+mn-lt"/>
-                <a:ea typeface="+mn-ea"/>
-                <a:cs typeface="+mn-cs"/>
-              </a:defRPr>
-            </a:lvl4pPr>
-            <a:lvl5pPr marL="1828800" algn="l" defTabSz="914400" rtl="0" eaLnBrk="1" latinLnBrk="0" hangingPunct="1">
-              <a:defRPr sz="1800" kern="1200">
-                <a:solidFill>
-                  <a:schemeClr val="tx1"/>
-                </a:solidFill>
-                <a:latin typeface="+mn-lt"/>
-                <a:ea typeface="+mn-ea"/>
-                <a:cs typeface="+mn-cs"/>
-              </a:defRPr>
-            </a:lvl5pPr>
-            <a:lvl6pPr marL="2286000" algn="l" defTabSz="914400" rtl="0" eaLnBrk="1" latinLnBrk="0" hangingPunct="1">
-              <a:defRPr sz="1800" kern="1200">
-                <a:solidFill>
-                  <a:schemeClr val="tx1"/>
-                </a:solidFill>
-                <a:latin typeface="+mn-lt"/>
-                <a:ea typeface="+mn-ea"/>
-                <a:cs typeface="+mn-cs"/>
-              </a:defRPr>
-            </a:lvl6pPr>
-            <a:lvl7pPr marL="2743200" algn="l" defTabSz="914400" rtl="0" eaLnBrk="1" latinLnBrk="0" hangingPunct="1">
-              <a:defRPr sz="1800" kern="1200">
-                <a:solidFill>
-                  <a:schemeClr val="tx1"/>
-                </a:solidFill>
-                <a:latin typeface="+mn-lt"/>
-                <a:ea typeface="+mn-ea"/>
-                <a:cs typeface="+mn-cs"/>
-              </a:defRPr>
-            </a:lvl7pPr>
-            <a:lvl8pPr marL="3200400" algn="l" defTabSz="914400" rtl="0" eaLnBrk="1" latinLnBrk="0" hangingPunct="1">
-              <a:defRPr sz="1800" kern="1200">
-                <a:solidFill>
-                  <a:schemeClr val="tx1"/>
-                </a:solidFill>
-                <a:latin typeface="+mn-lt"/>
-                <a:ea typeface="+mn-ea"/>
-                <a:cs typeface="+mn-cs"/>
-              </a:defRPr>
-            </a:lvl8pPr>
-            <a:lvl9pPr marL="3657600" algn="l" defTabSz="914400" rtl="0" eaLnBrk="1" latinLnBrk="0" hangingPunct="1">
-              <a:defRPr sz="1800" kern="1200">
-                <a:solidFill>
-                  <a:schemeClr val="tx1"/>
-                </a:solidFill>
-                <a:latin typeface="+mn-lt"/>
-                <a:ea typeface="+mn-ea"/>
-                <a:cs typeface="+mn-cs"/>
-              </a:defRPr>
-            </a:lvl9pPr>
-          </a:lstStyle>
-          <a:p>
-            <a:r>
-              <a:rPr lang="en-US" altLang="zh-CN" dirty="0" smtClean="0">
-                <a:latin typeface="Times New Roman" panose="02020603050405020304" pitchFamily="18" charset="0"/>
-                <a:cs typeface="Times New Roman" panose="02020603050405020304" pitchFamily="18" charset="0"/>
-              </a:rPr>
-              <a:t>Out</a:t>
-            </a:r>
-            <a:r>
-              <a:rPr lang="en-US" altLang="zh-CN" dirty="0" smtClean="0">
-                <a:latin typeface="Times New Roman" panose="02020603050405020304" pitchFamily="18" charset="0"/>
-                <a:cs typeface="Times New Roman" panose="02020603050405020304" pitchFamily="18" charset="0"/>
-              </a:rPr>
-              <a:t>put </a:t>
-            </a:r>
-            <a:r>
-              <a:rPr lang="en-US" altLang="zh-CN" dirty="0" smtClean="0">
-                <a:latin typeface="Times New Roman" panose="02020603050405020304" pitchFamily="18" charset="0"/>
-                <a:cs typeface="Times New Roman" panose="02020603050405020304" pitchFamily="18" charset="0"/>
-              </a:rPr>
-              <a:t>Layer</a:t>
-            </a:r>
-            <a:endParaRPr lang="zh-CN" altLang="en-US" dirty="0">
-              <a:latin typeface="Times New Roman" panose="02020603050405020304" pitchFamily="18" charset="0"/>
-              <a:cs typeface="Times New Roman" panose="02020603050405020304" pitchFamily="18" charset="0"/>
-            </a:endParaRPr>
-          </a:p>
-        </p:txBody>
-      </p:sp>
+              </a:endParaRPr>
+            </a:p>
+          </p:txBody>
+        </p:sp>
+      </p:grpSp>
     </p:spTree>
     <p:extLst>
       <p:ext uri="{BB962C8B-B14F-4D97-AF65-F5344CB8AC3E}">
